--- a/Spring2020/CSE351-S20/lectures/Python for Data Science - JakeVanderPlas.pptx
+++ b/Spring2020/CSE351-S20/lectures/Python for Data Science - JakeVanderPlas.pptx
@@ -12,6 +12,10 @@
     <p:sldId id="262" r:id="rId6"/>
     <p:sldId id="264" r:id="rId7"/>
     <p:sldId id="263" r:id="rId8"/>
+    <p:sldId id="265" r:id="rId9"/>
+    <p:sldId id="267" r:id="rId10"/>
+    <p:sldId id="268" r:id="rId11"/>
+    <p:sldId id="266" r:id="rId12"/>
   </p:sldIdLst>
   <p:sldSz cx="12192000" cy="6858000"/>
   <p:notesSz cx="6858000" cy="9144000"/>
@@ -110,6 +114,11 @@
       </a:defRPr>
     </a:lvl9pPr>
   </p:defaultTextStyle>
+  <p:extLst>
+    <p:ext uri="{EFAFB233-063F-42B5-8137-9DF3F51BA10A}">
+      <p15:sldGuideLst xmlns:p15="http://schemas.microsoft.com/office/powerpoint/2012/main"/>
+    </p:ext>
+  </p:extLst>
 </p:presentation>
 </file>
 
@@ -260,7 +269,7 @@
           <a:p>
             <a:fld id="{225A9EBB-BD22-4263-8DC9-D57B97EC5892}" type="datetimeFigureOut">
               <a:rPr lang="en-US" smtClean="0"/>
-              <a:t>5/3/2020</a:t>
+              <a:t>5/9/2020</a:t>
             </a:fld>
             <a:endParaRPr lang="en-US"/>
           </a:p>
@@ -458,7 +467,7 @@
           <a:p>
             <a:fld id="{225A9EBB-BD22-4263-8DC9-D57B97EC5892}" type="datetimeFigureOut">
               <a:rPr lang="en-US" smtClean="0"/>
-              <a:t>5/3/2020</a:t>
+              <a:t>5/9/2020</a:t>
             </a:fld>
             <a:endParaRPr lang="en-US"/>
           </a:p>
@@ -666,7 +675,7 @@
           <a:p>
             <a:fld id="{225A9EBB-BD22-4263-8DC9-D57B97EC5892}" type="datetimeFigureOut">
               <a:rPr lang="en-US" smtClean="0"/>
-              <a:t>5/3/2020</a:t>
+              <a:t>5/9/2020</a:t>
             </a:fld>
             <a:endParaRPr lang="en-US"/>
           </a:p>
@@ -864,7 +873,7 @@
           <a:p>
             <a:fld id="{225A9EBB-BD22-4263-8DC9-D57B97EC5892}" type="datetimeFigureOut">
               <a:rPr lang="en-US" smtClean="0"/>
-              <a:t>5/3/2020</a:t>
+              <a:t>5/9/2020</a:t>
             </a:fld>
             <a:endParaRPr lang="en-US"/>
           </a:p>
@@ -1139,7 +1148,7 @@
           <a:p>
             <a:fld id="{225A9EBB-BD22-4263-8DC9-D57B97EC5892}" type="datetimeFigureOut">
               <a:rPr lang="en-US" smtClean="0"/>
-              <a:t>5/3/2020</a:t>
+              <a:t>5/9/2020</a:t>
             </a:fld>
             <a:endParaRPr lang="en-US"/>
           </a:p>
@@ -1404,7 +1413,7 @@
           <a:p>
             <a:fld id="{225A9EBB-BD22-4263-8DC9-D57B97EC5892}" type="datetimeFigureOut">
               <a:rPr lang="en-US" smtClean="0"/>
-              <a:t>5/3/2020</a:t>
+              <a:t>5/9/2020</a:t>
             </a:fld>
             <a:endParaRPr lang="en-US"/>
           </a:p>
@@ -1816,7 +1825,7 @@
           <a:p>
             <a:fld id="{225A9EBB-BD22-4263-8DC9-D57B97EC5892}" type="datetimeFigureOut">
               <a:rPr lang="en-US" smtClean="0"/>
-              <a:t>5/3/2020</a:t>
+              <a:t>5/9/2020</a:t>
             </a:fld>
             <a:endParaRPr lang="en-US"/>
           </a:p>
@@ -1957,7 +1966,7 @@
           <a:p>
             <a:fld id="{225A9EBB-BD22-4263-8DC9-D57B97EC5892}" type="datetimeFigureOut">
               <a:rPr lang="en-US" smtClean="0"/>
-              <a:t>5/3/2020</a:t>
+              <a:t>5/9/2020</a:t>
             </a:fld>
             <a:endParaRPr lang="en-US"/>
           </a:p>
@@ -2070,7 +2079,7 @@
           <a:p>
             <a:fld id="{225A9EBB-BD22-4263-8DC9-D57B97EC5892}" type="datetimeFigureOut">
               <a:rPr lang="en-US" smtClean="0"/>
-              <a:t>5/3/2020</a:t>
+              <a:t>5/9/2020</a:t>
             </a:fld>
             <a:endParaRPr lang="en-US"/>
           </a:p>
@@ -2381,7 +2390,7 @@
           <a:p>
             <a:fld id="{225A9EBB-BD22-4263-8DC9-D57B97EC5892}" type="datetimeFigureOut">
               <a:rPr lang="en-US" smtClean="0"/>
-              <a:t>5/3/2020</a:t>
+              <a:t>5/9/2020</a:t>
             </a:fld>
             <a:endParaRPr lang="en-US"/>
           </a:p>
@@ -2669,7 +2678,7 @@
           <a:p>
             <a:fld id="{225A9EBB-BD22-4263-8DC9-D57B97EC5892}" type="datetimeFigureOut">
               <a:rPr lang="en-US" smtClean="0"/>
-              <a:t>5/3/2020</a:t>
+              <a:t>5/9/2020</a:t>
             </a:fld>
             <a:endParaRPr lang="en-US"/>
           </a:p>
@@ -2910,7 +2919,7 @@
           <a:p>
             <a:fld id="{225A9EBB-BD22-4263-8DC9-D57B97EC5892}" type="datetimeFigureOut">
               <a:rPr lang="en-US" smtClean="0"/>
-              <a:t>5/3/2020</a:t>
+              <a:t>5/9/2020</a:t>
             </a:fld>
             <a:endParaRPr lang="en-US"/>
           </a:p>
@@ -3655,6 +3664,306 @@
 </p:sld>
 </file>
 
+<file path=ppt/slides/slide10.xml><?xml version="1.0" encoding="utf-8"?>
+<p:sld xmlns:a="http://schemas.openxmlformats.org/drawingml/2006/main" xmlns:r="http://schemas.openxmlformats.org/officeDocument/2006/relationships" xmlns:p="http://schemas.openxmlformats.org/presentationml/2006/main">
+  <p:cSld>
+    <p:spTree>
+      <p:nvGrpSpPr>
+        <p:cNvPr id="1" name=""/>
+        <p:cNvGrpSpPr/>
+        <p:nvPr/>
+      </p:nvGrpSpPr>
+      <p:grpSpPr>
+        <a:xfrm>
+          <a:off x="0" y="0"/>
+          <a:ext cx="0" cy="0"/>
+          <a:chOff x="0" y="0"/>
+          <a:chExt cx="0" cy="0"/>
+        </a:xfrm>
+      </p:grpSpPr>
+      <p:sp>
+        <p:nvSpPr>
+          <p:cNvPr id="2" name="Title 1">
+            <a:extLst>
+              <a:ext uri="{FF2B5EF4-FFF2-40B4-BE49-F238E27FC236}">
+                <a16:creationId xmlns:a16="http://schemas.microsoft.com/office/drawing/2014/main" id="{C54E81D0-F24A-445B-9A69-7A1C8DB0777C}"/>
+              </a:ext>
+            </a:extLst>
+          </p:cNvPr>
+          <p:cNvSpPr>
+            <a:spLocks noGrp="1"/>
+          </p:cNvSpPr>
+          <p:nvPr>
+            <p:ph type="title"/>
+          </p:nvPr>
+        </p:nvSpPr>
+        <p:spPr>
+          <a:xfrm>
+            <a:off x="838199" y="18255"/>
+            <a:ext cx="10515600" cy="1325563"/>
+          </a:xfrm>
+        </p:spPr>
+        <p:txBody>
+          <a:bodyPr/>
+          <a:lstStyle/>
+          <a:p>
+            <a:r>
+              <a:rPr lang="en-US" dirty="0"/>
+              <a:t>Pandas Stack vs Unstack</a:t>
+            </a:r>
+          </a:p>
+        </p:txBody>
+      </p:sp>
+      <p:pic>
+        <p:nvPicPr>
+          <p:cNvPr id="3" name="Picture 2">
+            <a:extLst>
+              <a:ext uri="{FF2B5EF4-FFF2-40B4-BE49-F238E27FC236}">
+                <a16:creationId xmlns:a16="http://schemas.microsoft.com/office/drawing/2014/main" id="{6D2071DC-3D92-4368-9C2B-E66AFB2DB968}"/>
+              </a:ext>
+            </a:extLst>
+          </p:cNvPr>
+          <p:cNvPicPr>
+            <a:picLocks noChangeAspect="1"/>
+          </p:cNvPicPr>
+          <p:nvPr/>
+        </p:nvPicPr>
+        <p:blipFill>
+          <a:blip r:embed="rId2"/>
+          <a:stretch>
+            <a:fillRect/>
+          </a:stretch>
+        </p:blipFill>
+        <p:spPr>
+          <a:xfrm>
+            <a:off x="379352" y="1201578"/>
+            <a:ext cx="6580248" cy="2828352"/>
+          </a:xfrm>
+          <a:prstGeom prst="rect">
+            <a:avLst/>
+          </a:prstGeom>
+        </p:spPr>
+      </p:pic>
+      <p:pic>
+        <p:nvPicPr>
+          <p:cNvPr id="4" name="Picture 3">
+            <a:extLst>
+              <a:ext uri="{FF2B5EF4-FFF2-40B4-BE49-F238E27FC236}">
+                <a16:creationId xmlns:a16="http://schemas.microsoft.com/office/drawing/2014/main" id="{817542F9-8686-4A36-997F-338E1DCA8F51}"/>
+              </a:ext>
+            </a:extLst>
+          </p:cNvPr>
+          <p:cNvPicPr>
+            <a:picLocks noChangeAspect="1"/>
+          </p:cNvPicPr>
+          <p:nvPr/>
+        </p:nvPicPr>
+        <p:blipFill>
+          <a:blip r:embed="rId3"/>
+          <a:stretch>
+            <a:fillRect/>
+          </a:stretch>
+        </p:blipFill>
+        <p:spPr>
+          <a:xfrm>
+            <a:off x="5183823" y="4029930"/>
+            <a:ext cx="6368098" cy="2688599"/>
+          </a:xfrm>
+          <a:prstGeom prst="rect">
+            <a:avLst/>
+          </a:prstGeom>
+        </p:spPr>
+      </p:pic>
+      <p:sp>
+        <p:nvSpPr>
+          <p:cNvPr id="7" name="Rectangle 6">
+            <a:extLst>
+              <a:ext uri="{FF2B5EF4-FFF2-40B4-BE49-F238E27FC236}">
+                <a16:creationId xmlns:a16="http://schemas.microsoft.com/office/drawing/2014/main" id="{03F75876-8532-4CC7-8F79-E65B857688ED}"/>
+              </a:ext>
+            </a:extLst>
+          </p:cNvPr>
+          <p:cNvSpPr/>
+          <p:nvPr/>
+        </p:nvSpPr>
+        <p:spPr>
+          <a:xfrm>
+            <a:off x="7112000" y="1717377"/>
+            <a:ext cx="4670168" cy="646331"/>
+          </a:xfrm>
+          <a:prstGeom prst="rect">
+            <a:avLst/>
+          </a:prstGeom>
+        </p:spPr>
+        <p:txBody>
+          <a:bodyPr wrap="square">
+            <a:spAutoFit/>
+          </a:bodyPr>
+          <a:lstStyle/>
+          <a:p>
+            <a:r>
+              <a:rPr lang="en-US" dirty="0"/>
+              <a:t>Convert a </a:t>
+            </a:r>
+            <a:r>
+              <a:rPr lang="en-US" dirty="0" err="1"/>
+              <a:t>DataFrame</a:t>
+            </a:r>
+            <a:r>
+              <a:rPr lang="en-US" dirty="0"/>
+              <a:t> into multiple indexed series</a:t>
+            </a:r>
+          </a:p>
+        </p:txBody>
+      </p:sp>
+      <p:sp>
+        <p:nvSpPr>
+          <p:cNvPr id="8" name="Rectangle 7">
+            <a:extLst>
+              <a:ext uri="{FF2B5EF4-FFF2-40B4-BE49-F238E27FC236}">
+                <a16:creationId xmlns:a16="http://schemas.microsoft.com/office/drawing/2014/main" id="{DDA91CAF-3639-4F4E-AA64-490DFB60B530}"/>
+              </a:ext>
+            </a:extLst>
+          </p:cNvPr>
+          <p:cNvSpPr/>
+          <p:nvPr/>
+        </p:nvSpPr>
+        <p:spPr>
+          <a:xfrm>
+            <a:off x="513655" y="5213253"/>
+            <a:ext cx="4670168" cy="646331"/>
+          </a:xfrm>
+          <a:prstGeom prst="rect">
+            <a:avLst/>
+          </a:prstGeom>
+        </p:spPr>
+        <p:txBody>
+          <a:bodyPr wrap="square">
+            <a:spAutoFit/>
+          </a:bodyPr>
+          <a:lstStyle/>
+          <a:p>
+            <a:r>
+              <a:rPr lang="en-US" dirty="0"/>
+              <a:t>Convert a multiple indexed series into a </a:t>
+            </a:r>
+            <a:r>
+              <a:rPr lang="en-US" dirty="0" err="1"/>
+              <a:t>DataFrame</a:t>
+            </a:r>
+            <a:endParaRPr lang="en-US" dirty="0"/>
+          </a:p>
+        </p:txBody>
+      </p:sp>
+    </p:spTree>
+    <p:extLst>
+      <p:ext uri="{BB962C8B-B14F-4D97-AF65-F5344CB8AC3E}">
+        <p14:creationId xmlns:p14="http://schemas.microsoft.com/office/powerpoint/2010/main" val="4041649770"/>
+      </p:ext>
+    </p:extLst>
+  </p:cSld>
+  <p:clrMapOvr>
+    <a:masterClrMapping/>
+  </p:clrMapOvr>
+</p:sld>
+</file>
+
+<file path=ppt/slides/slide11.xml><?xml version="1.0" encoding="utf-8"?>
+<p:sld xmlns:a="http://schemas.openxmlformats.org/drawingml/2006/main" xmlns:r="http://schemas.openxmlformats.org/officeDocument/2006/relationships" xmlns:p="http://schemas.openxmlformats.org/presentationml/2006/main">
+  <p:cSld>
+    <p:spTree>
+      <p:nvGrpSpPr>
+        <p:cNvPr id="1" name=""/>
+        <p:cNvGrpSpPr/>
+        <p:nvPr/>
+      </p:nvGrpSpPr>
+      <p:grpSpPr>
+        <a:xfrm>
+          <a:off x="0" y="0"/>
+          <a:ext cx="0" cy="0"/>
+          <a:chOff x="0" y="0"/>
+          <a:chExt cx="0" cy="0"/>
+        </a:xfrm>
+      </p:grpSpPr>
+      <p:sp>
+        <p:nvSpPr>
+          <p:cNvPr id="2" name="Title 1">
+            <a:extLst>
+              <a:ext uri="{FF2B5EF4-FFF2-40B4-BE49-F238E27FC236}">
+                <a16:creationId xmlns:a16="http://schemas.microsoft.com/office/drawing/2014/main" id="{68D6C4E4-5C38-4DA3-B93B-90FF27261DAB}"/>
+              </a:ext>
+            </a:extLst>
+          </p:cNvPr>
+          <p:cNvSpPr>
+            <a:spLocks noGrp="1"/>
+          </p:cNvSpPr>
+          <p:nvPr>
+            <p:ph type="title"/>
+          </p:nvPr>
+        </p:nvSpPr>
+        <p:spPr/>
+        <p:txBody>
+          <a:bodyPr/>
+          <a:lstStyle/>
+          <a:p>
+            <a:r>
+              <a:rPr lang="en-US" dirty="0"/>
+              <a:t>Pandas features</a:t>
+            </a:r>
+          </a:p>
+        </p:txBody>
+      </p:sp>
+      <p:sp>
+        <p:nvSpPr>
+          <p:cNvPr id="3" name="Content Placeholder 2">
+            <a:extLst>
+              <a:ext uri="{FF2B5EF4-FFF2-40B4-BE49-F238E27FC236}">
+                <a16:creationId xmlns:a16="http://schemas.microsoft.com/office/drawing/2014/main" id="{A53AE45C-3F3C-407D-8E01-EA67EEBDA665}"/>
+              </a:ext>
+            </a:extLst>
+          </p:cNvPr>
+          <p:cNvSpPr>
+            <a:spLocks noGrp="1"/>
+          </p:cNvSpPr>
+          <p:nvPr>
+            <p:ph idx="1"/>
+          </p:nvPr>
+        </p:nvSpPr>
+        <p:spPr/>
+        <p:txBody>
+          <a:bodyPr/>
+          <a:lstStyle/>
+          <a:p>
+            <a:r>
+              <a:rPr lang="en-US" dirty="0"/>
+              <a:t>Refer to online notebooks:</a:t>
+            </a:r>
+          </a:p>
+          <a:p>
+            <a:pPr lvl="1"/>
+            <a:r>
+              <a:rPr lang="en-US" dirty="0">
+                <a:hlinkClick r:id="rId2"/>
+              </a:rPr>
+              <a:t>https://jakevdp.github.io/PythonDataScienceHandbook/03.00-introduction-to-pandas.html</a:t>
+            </a:r>
+            <a:endParaRPr lang="en-US" dirty="0"/>
+          </a:p>
+        </p:txBody>
+      </p:sp>
+    </p:spTree>
+    <p:extLst>
+      <p:ext uri="{BB962C8B-B14F-4D97-AF65-F5344CB8AC3E}">
+        <p14:creationId xmlns:p14="http://schemas.microsoft.com/office/powerpoint/2010/main" val="1032127859"/>
+      </p:ext>
+    </p:extLst>
+  </p:cSld>
+  <p:clrMapOvr>
+    <a:masterClrMapping/>
+  </p:clrMapOvr>
+</p:sld>
+</file>
+
 <file path=ppt/slides/slide2.xml><?xml version="1.0" encoding="utf-8"?>
 <p:sld xmlns:a="http://schemas.openxmlformats.org/drawingml/2006/main" xmlns:r="http://schemas.openxmlformats.org/officeDocument/2006/relationships" xmlns:p="http://schemas.openxmlformats.org/presentationml/2006/main">
   <p:cSld>
@@ -7937,7 +8246,12 @@
             <p:ph idx="1"/>
           </p:nvPr>
         </p:nvSpPr>
-        <p:spPr/>
+        <p:spPr>
+          <a:xfrm>
+            <a:off x="838200" y="1480185"/>
+            <a:ext cx="10515600" cy="4351338"/>
+          </a:xfrm>
+        </p:spPr>
         <p:txBody>
           <a:bodyPr/>
           <a:lstStyle/>
@@ -7967,6 +8281,53 @@
           </a:p>
         </p:txBody>
       </p:sp>
+      <p:pic>
+        <p:nvPicPr>
+          <p:cNvPr id="1026" name="Picture 2" descr="how is axis indexed in numpy's array? - Stack Overflow">
+            <a:extLst>
+              <a:ext uri="{FF2B5EF4-FFF2-40B4-BE49-F238E27FC236}">
+                <a16:creationId xmlns:a16="http://schemas.microsoft.com/office/drawing/2014/main" id="{E9D44FCA-9A28-46D6-A417-769E5EC04340}"/>
+              </a:ext>
+            </a:extLst>
+          </p:cNvPr>
+          <p:cNvPicPr>
+            <a:picLocks noChangeAspect="1" noChangeArrowheads="1"/>
+          </p:cNvPicPr>
+          <p:nvPr/>
+        </p:nvPicPr>
+        <p:blipFill>
+          <a:blip r:embed="rId2">
+            <a:extLst>
+              <a:ext uri="{28A0092B-C50C-407E-A947-70E740481C1C}">
+                <a14:useLocalDpi xmlns:a14="http://schemas.microsoft.com/office/drawing/2010/main" val="0"/>
+              </a:ext>
+            </a:extLst>
+          </a:blip>
+          <a:srcRect/>
+          <a:stretch>
+            <a:fillRect/>
+          </a:stretch>
+        </p:blipFill>
+        <p:spPr bwMode="auto">
+          <a:xfrm>
+            <a:off x="3031490" y="4091878"/>
+            <a:ext cx="4984750" cy="2607055"/>
+          </a:xfrm>
+          <a:prstGeom prst="rect">
+            <a:avLst/>
+          </a:prstGeom>
+          <a:noFill/>
+          <a:extLst>
+            <a:ext uri="{909E8E84-426E-40DD-AFC4-6F175D3DCCD1}">
+              <a14:hiddenFill xmlns:a14="http://schemas.microsoft.com/office/drawing/2010/main">
+                <a:solidFill>
+                  <a:srgbClr val="FFFFFF"/>
+                </a:solidFill>
+              </a14:hiddenFill>
+            </a:ext>
+          </a:extLst>
+        </p:spPr>
+      </p:pic>
     </p:spTree>
     <p:extLst>
       <p:ext uri="{BB962C8B-B14F-4D97-AF65-F5344CB8AC3E}">
@@ -8070,6 +8431,254 @@
     <p:extLst>
       <p:ext uri="{BB962C8B-B14F-4D97-AF65-F5344CB8AC3E}">
         <p14:creationId xmlns:p14="http://schemas.microsoft.com/office/powerpoint/2010/main" val="1202707512"/>
+      </p:ext>
+    </p:extLst>
+  </p:cSld>
+  <p:clrMapOvr>
+    <a:masterClrMapping/>
+  </p:clrMapOvr>
+</p:sld>
+</file>
+
+<file path=ppt/slides/slide8.xml><?xml version="1.0" encoding="utf-8"?>
+<p:sld xmlns:a="http://schemas.openxmlformats.org/drawingml/2006/main" xmlns:r="http://schemas.openxmlformats.org/officeDocument/2006/relationships" xmlns:p="http://schemas.openxmlformats.org/presentationml/2006/main">
+  <p:cSld>
+    <p:spTree>
+      <p:nvGrpSpPr>
+        <p:cNvPr id="1" name=""/>
+        <p:cNvGrpSpPr/>
+        <p:nvPr/>
+      </p:nvGrpSpPr>
+      <p:grpSpPr>
+        <a:xfrm>
+          <a:off x="0" y="0"/>
+          <a:ext cx="0" cy="0"/>
+          <a:chOff x="0" y="0"/>
+          <a:chExt cx="0" cy="0"/>
+        </a:xfrm>
+      </p:grpSpPr>
+      <p:sp>
+        <p:nvSpPr>
+          <p:cNvPr id="2" name="Title 1">
+            <a:extLst>
+              <a:ext uri="{FF2B5EF4-FFF2-40B4-BE49-F238E27FC236}">
+                <a16:creationId xmlns:a16="http://schemas.microsoft.com/office/drawing/2014/main" id="{C54E81D0-F24A-445B-9A69-7A1C8DB0777C}"/>
+              </a:ext>
+            </a:extLst>
+          </p:cNvPr>
+          <p:cNvSpPr>
+            <a:spLocks noGrp="1"/>
+          </p:cNvSpPr>
+          <p:nvPr>
+            <p:ph type="title"/>
+          </p:nvPr>
+        </p:nvSpPr>
+        <p:spPr/>
+        <p:txBody>
+          <a:bodyPr/>
+          <a:lstStyle/>
+          <a:p>
+            <a:r>
+              <a:rPr lang="en-US" dirty="0"/>
+              <a:t>Pandas</a:t>
+            </a:r>
+          </a:p>
+        </p:txBody>
+      </p:sp>
+      <p:sp>
+        <p:nvSpPr>
+          <p:cNvPr id="3" name="Content Placeholder 2">
+            <a:extLst>
+              <a:ext uri="{FF2B5EF4-FFF2-40B4-BE49-F238E27FC236}">
+                <a16:creationId xmlns:a16="http://schemas.microsoft.com/office/drawing/2014/main" id="{106667C6-2359-4D35-BF67-F3BA3939B87B}"/>
+              </a:ext>
+            </a:extLst>
+          </p:cNvPr>
+          <p:cNvSpPr>
+            <a:spLocks noGrp="1"/>
+          </p:cNvSpPr>
+          <p:nvPr>
+            <p:ph idx="1"/>
+          </p:nvPr>
+        </p:nvSpPr>
+        <p:spPr>
+          <a:xfrm>
+            <a:off x="838200" y="1480185"/>
+            <a:ext cx="10515600" cy="4351338"/>
+          </a:xfrm>
+        </p:spPr>
+        <p:txBody>
+          <a:bodyPr/>
+          <a:lstStyle/>
+          <a:p>
+            <a:r>
+              <a:rPr lang="en-US" dirty="0"/>
+              <a:t>Built on top of NumPy and provides efficient implementation of a </a:t>
+            </a:r>
+            <a:r>
+              <a:rPr lang="en-US" dirty="0" err="1"/>
+              <a:t>DataFrame</a:t>
+            </a:r>
+            <a:endParaRPr lang="en-US" dirty="0"/>
+          </a:p>
+          <a:p>
+            <a:r>
+              <a:rPr lang="en-US" dirty="0" err="1"/>
+              <a:t>DataFrame</a:t>
+            </a:r>
+            <a:r>
+              <a:rPr lang="en-US" dirty="0"/>
+              <a:t> is multi-dimensional array with attached row and column labels </a:t>
+            </a:r>
+          </a:p>
+          <a:p>
+            <a:r>
+              <a:rPr lang="en-US" dirty="0" err="1"/>
+              <a:t>DataFrame</a:t>
+            </a:r>
+            <a:r>
+              <a:rPr lang="en-US" dirty="0"/>
+              <a:t> may contain data with heterogeneous types and/or missing data</a:t>
+            </a:r>
+          </a:p>
+          <a:p>
+            <a:r>
+              <a:rPr lang="en-US" dirty="0"/>
+              <a:t>Provides a number of powerful data operations using Series and </a:t>
+            </a:r>
+            <a:r>
+              <a:rPr lang="en-US" dirty="0" err="1"/>
+              <a:t>DataFrame</a:t>
+            </a:r>
+            <a:r>
+              <a:rPr lang="en-US" dirty="0"/>
+              <a:t> objects</a:t>
+            </a:r>
+          </a:p>
+        </p:txBody>
+      </p:sp>
+    </p:spTree>
+    <p:extLst>
+      <p:ext uri="{BB962C8B-B14F-4D97-AF65-F5344CB8AC3E}">
+        <p14:creationId xmlns:p14="http://schemas.microsoft.com/office/powerpoint/2010/main" val="580047802"/>
+      </p:ext>
+    </p:extLst>
+  </p:cSld>
+  <p:clrMapOvr>
+    <a:masterClrMapping/>
+  </p:clrMapOvr>
+</p:sld>
+</file>
+
+<file path=ppt/slides/slide9.xml><?xml version="1.0" encoding="utf-8"?>
+<p:sld xmlns:a="http://schemas.openxmlformats.org/drawingml/2006/main" xmlns:r="http://schemas.openxmlformats.org/officeDocument/2006/relationships" xmlns:p="http://schemas.openxmlformats.org/presentationml/2006/main">
+  <p:cSld>
+    <p:spTree>
+      <p:nvGrpSpPr>
+        <p:cNvPr id="1" name=""/>
+        <p:cNvGrpSpPr/>
+        <p:nvPr/>
+      </p:nvGrpSpPr>
+      <p:grpSpPr>
+        <a:xfrm>
+          <a:off x="0" y="0"/>
+          <a:ext cx="0" cy="0"/>
+          <a:chOff x="0" y="0"/>
+          <a:chExt cx="0" cy="0"/>
+        </a:xfrm>
+      </p:grpSpPr>
+      <p:sp>
+        <p:nvSpPr>
+          <p:cNvPr id="2" name="Title 1">
+            <a:extLst>
+              <a:ext uri="{FF2B5EF4-FFF2-40B4-BE49-F238E27FC236}">
+                <a16:creationId xmlns:a16="http://schemas.microsoft.com/office/drawing/2014/main" id="{C54E81D0-F24A-445B-9A69-7A1C8DB0777C}"/>
+              </a:ext>
+            </a:extLst>
+          </p:cNvPr>
+          <p:cNvSpPr>
+            <a:spLocks noGrp="1"/>
+          </p:cNvSpPr>
+          <p:nvPr>
+            <p:ph type="title"/>
+          </p:nvPr>
+        </p:nvSpPr>
+        <p:spPr/>
+        <p:txBody>
+          <a:bodyPr/>
+          <a:lstStyle/>
+          <a:p>
+            <a:r>
+              <a:rPr lang="en-US" dirty="0"/>
+              <a:t>Pandas Series and </a:t>
+            </a:r>
+            <a:r>
+              <a:rPr lang="en-US" dirty="0" err="1"/>
+              <a:t>DataFrame</a:t>
+            </a:r>
+            <a:endParaRPr lang="en-US" dirty="0"/>
+          </a:p>
+        </p:txBody>
+      </p:sp>
+      <p:sp>
+        <p:nvSpPr>
+          <p:cNvPr id="5" name="Content Placeholder 4">
+            <a:extLst>
+              <a:ext uri="{FF2B5EF4-FFF2-40B4-BE49-F238E27FC236}">
+                <a16:creationId xmlns:a16="http://schemas.microsoft.com/office/drawing/2014/main" id="{7E93FE3B-8A21-4858-8722-38597A8A9D32}"/>
+              </a:ext>
+            </a:extLst>
+          </p:cNvPr>
+          <p:cNvSpPr>
+            <a:spLocks noGrp="1"/>
+          </p:cNvSpPr>
+          <p:nvPr>
+            <p:ph idx="1"/>
+          </p:nvPr>
+        </p:nvSpPr>
+        <p:spPr/>
+        <p:txBody>
+          <a:bodyPr/>
+          <a:lstStyle/>
+          <a:p>
+            <a:endParaRPr lang="en-US"/>
+          </a:p>
+        </p:txBody>
+      </p:sp>
+      <p:pic>
+        <p:nvPicPr>
+          <p:cNvPr id="6" name="Picture 5">
+            <a:extLst>
+              <a:ext uri="{FF2B5EF4-FFF2-40B4-BE49-F238E27FC236}">
+                <a16:creationId xmlns:a16="http://schemas.microsoft.com/office/drawing/2014/main" id="{DA48CC9A-8D63-4DD4-99C1-C1987F7CC128}"/>
+              </a:ext>
+            </a:extLst>
+          </p:cNvPr>
+          <p:cNvPicPr>
+            <a:picLocks noChangeAspect="1"/>
+          </p:cNvPicPr>
+          <p:nvPr/>
+        </p:nvPicPr>
+        <p:blipFill>
+          <a:blip r:embed="rId2"/>
+          <a:stretch>
+            <a:fillRect/>
+          </a:stretch>
+        </p:blipFill>
+        <p:spPr>
+          <a:xfrm>
+            <a:off x="1919287" y="1690688"/>
+            <a:ext cx="8353425" cy="4238625"/>
+          </a:xfrm>
+          <a:prstGeom prst="rect">
+            <a:avLst/>
+          </a:prstGeom>
+        </p:spPr>
+      </p:pic>
+    </p:spTree>
+    <p:extLst>
+      <p:ext uri="{BB962C8B-B14F-4D97-AF65-F5344CB8AC3E}">
+        <p14:creationId xmlns:p14="http://schemas.microsoft.com/office/powerpoint/2010/main" val="986663662"/>
       </p:ext>
     </p:extLst>
   </p:cSld>

--- a/Spring2020/CSE351-S20/lectures/Python for Data Science - JakeVanderPlas.pptx
+++ b/Spring2020/CSE351-S20/lectures/Python for Data Science - JakeVanderPlas.pptx
@@ -16,9 +16,12 @@
     <p:sldId id="267" r:id="rId10"/>
     <p:sldId id="268" r:id="rId11"/>
     <p:sldId id="266" r:id="rId12"/>
+    <p:sldId id="269" r:id="rId13"/>
+    <p:sldId id="270" r:id="rId14"/>
+    <p:sldId id="271" r:id="rId15"/>
   </p:sldIdLst>
   <p:sldSz cx="12192000" cy="6858000"/>
-  <p:notesSz cx="6858000" cy="9144000"/>
+  <p:notesSz cx="7315200" cy="9601200"/>
   <p:defaultTextStyle>
     <a:defPPr>
       <a:defRPr lang="en-US"/>
@@ -269,7 +272,7 @@
           <a:p>
             <a:fld id="{225A9EBB-BD22-4263-8DC9-D57B97EC5892}" type="datetimeFigureOut">
               <a:rPr lang="en-US" smtClean="0"/>
-              <a:t>5/9/2020</a:t>
+              <a:t>5/20/2020</a:t>
             </a:fld>
             <a:endParaRPr lang="en-US"/>
           </a:p>
@@ -467,7 +470,7 @@
           <a:p>
             <a:fld id="{225A9EBB-BD22-4263-8DC9-D57B97EC5892}" type="datetimeFigureOut">
               <a:rPr lang="en-US" smtClean="0"/>
-              <a:t>5/9/2020</a:t>
+              <a:t>5/20/2020</a:t>
             </a:fld>
             <a:endParaRPr lang="en-US"/>
           </a:p>
@@ -675,7 +678,7 @@
           <a:p>
             <a:fld id="{225A9EBB-BD22-4263-8DC9-D57B97EC5892}" type="datetimeFigureOut">
               <a:rPr lang="en-US" smtClean="0"/>
-              <a:t>5/9/2020</a:t>
+              <a:t>5/20/2020</a:t>
             </a:fld>
             <a:endParaRPr lang="en-US"/>
           </a:p>
@@ -873,7 +876,7 @@
           <a:p>
             <a:fld id="{225A9EBB-BD22-4263-8DC9-D57B97EC5892}" type="datetimeFigureOut">
               <a:rPr lang="en-US" smtClean="0"/>
-              <a:t>5/9/2020</a:t>
+              <a:t>5/20/2020</a:t>
             </a:fld>
             <a:endParaRPr lang="en-US"/>
           </a:p>
@@ -1148,7 +1151,7 @@
           <a:p>
             <a:fld id="{225A9EBB-BD22-4263-8DC9-D57B97EC5892}" type="datetimeFigureOut">
               <a:rPr lang="en-US" smtClean="0"/>
-              <a:t>5/9/2020</a:t>
+              <a:t>5/20/2020</a:t>
             </a:fld>
             <a:endParaRPr lang="en-US"/>
           </a:p>
@@ -1413,7 +1416,7 @@
           <a:p>
             <a:fld id="{225A9EBB-BD22-4263-8DC9-D57B97EC5892}" type="datetimeFigureOut">
               <a:rPr lang="en-US" smtClean="0"/>
-              <a:t>5/9/2020</a:t>
+              <a:t>5/20/2020</a:t>
             </a:fld>
             <a:endParaRPr lang="en-US"/>
           </a:p>
@@ -1825,7 +1828,7 @@
           <a:p>
             <a:fld id="{225A9EBB-BD22-4263-8DC9-D57B97EC5892}" type="datetimeFigureOut">
               <a:rPr lang="en-US" smtClean="0"/>
-              <a:t>5/9/2020</a:t>
+              <a:t>5/20/2020</a:t>
             </a:fld>
             <a:endParaRPr lang="en-US"/>
           </a:p>
@@ -1966,7 +1969,7 @@
           <a:p>
             <a:fld id="{225A9EBB-BD22-4263-8DC9-D57B97EC5892}" type="datetimeFigureOut">
               <a:rPr lang="en-US" smtClean="0"/>
-              <a:t>5/9/2020</a:t>
+              <a:t>5/20/2020</a:t>
             </a:fld>
             <a:endParaRPr lang="en-US"/>
           </a:p>
@@ -2079,7 +2082,7 @@
           <a:p>
             <a:fld id="{225A9EBB-BD22-4263-8DC9-D57B97EC5892}" type="datetimeFigureOut">
               <a:rPr lang="en-US" smtClean="0"/>
-              <a:t>5/9/2020</a:t>
+              <a:t>5/20/2020</a:t>
             </a:fld>
             <a:endParaRPr lang="en-US"/>
           </a:p>
@@ -2390,7 +2393,7 @@
           <a:p>
             <a:fld id="{225A9EBB-BD22-4263-8DC9-D57B97EC5892}" type="datetimeFigureOut">
               <a:rPr lang="en-US" smtClean="0"/>
-              <a:t>5/9/2020</a:t>
+              <a:t>5/20/2020</a:t>
             </a:fld>
             <a:endParaRPr lang="en-US"/>
           </a:p>
@@ -2678,7 +2681,7 @@
           <a:p>
             <a:fld id="{225A9EBB-BD22-4263-8DC9-D57B97EC5892}" type="datetimeFigureOut">
               <a:rPr lang="en-US" smtClean="0"/>
-              <a:t>5/9/2020</a:t>
+              <a:t>5/20/2020</a:t>
             </a:fld>
             <a:endParaRPr lang="en-US"/>
           </a:p>
@@ -2919,7 +2922,7 @@
           <a:p>
             <a:fld id="{225A9EBB-BD22-4263-8DC9-D57B97EC5892}" type="datetimeFigureOut">
               <a:rPr lang="en-US" smtClean="0"/>
-              <a:t>5/9/2020</a:t>
+              <a:t>5/20/2020</a:t>
             </a:fld>
             <a:endParaRPr lang="en-US"/>
           </a:p>
@@ -3964,6 +3967,361 @@
 </p:sld>
 </file>
 
+<file path=ppt/slides/slide12.xml><?xml version="1.0" encoding="utf-8"?>
+<p:sld xmlns:a="http://schemas.openxmlformats.org/drawingml/2006/main" xmlns:r="http://schemas.openxmlformats.org/officeDocument/2006/relationships" xmlns:p="http://schemas.openxmlformats.org/presentationml/2006/main">
+  <p:cSld>
+    <p:spTree>
+      <p:nvGrpSpPr>
+        <p:cNvPr id="1" name=""/>
+        <p:cNvGrpSpPr/>
+        <p:nvPr/>
+      </p:nvGrpSpPr>
+      <p:grpSpPr>
+        <a:xfrm>
+          <a:off x="0" y="0"/>
+          <a:ext cx="0" cy="0"/>
+          <a:chOff x="0" y="0"/>
+          <a:chExt cx="0" cy="0"/>
+        </a:xfrm>
+      </p:grpSpPr>
+      <p:sp>
+        <p:nvSpPr>
+          <p:cNvPr id="2" name="Title 1">
+            <a:extLst>
+              <a:ext uri="{FF2B5EF4-FFF2-40B4-BE49-F238E27FC236}">
+                <a16:creationId xmlns:a16="http://schemas.microsoft.com/office/drawing/2014/main" id="{1A54619E-029F-4055-A5B1-977D2C46950D}"/>
+              </a:ext>
+            </a:extLst>
+          </p:cNvPr>
+          <p:cNvSpPr>
+            <a:spLocks noGrp="1"/>
+          </p:cNvSpPr>
+          <p:nvPr>
+            <p:ph type="title"/>
+          </p:nvPr>
+        </p:nvSpPr>
+        <p:spPr/>
+        <p:txBody>
+          <a:bodyPr/>
+          <a:lstStyle/>
+          <a:p>
+            <a:r>
+              <a:rPr lang="en-US" dirty="0"/>
+              <a:t>Practice exercises for Midterm 2</a:t>
+            </a:r>
+          </a:p>
+        </p:txBody>
+      </p:sp>
+      <p:sp>
+        <p:nvSpPr>
+          <p:cNvPr id="3" name="Content Placeholder 2">
+            <a:extLst>
+              <a:ext uri="{FF2B5EF4-FFF2-40B4-BE49-F238E27FC236}">
+                <a16:creationId xmlns:a16="http://schemas.microsoft.com/office/drawing/2014/main" id="{9B0CAF41-26E2-47B6-86F5-E20B91271CF5}"/>
+              </a:ext>
+            </a:extLst>
+          </p:cNvPr>
+          <p:cNvSpPr>
+            <a:spLocks noGrp="1"/>
+          </p:cNvSpPr>
+          <p:nvPr>
+            <p:ph idx="1"/>
+          </p:nvPr>
+        </p:nvSpPr>
+        <p:spPr/>
+        <p:txBody>
+          <a:bodyPr/>
+          <a:lstStyle/>
+          <a:p>
+            <a:r>
+              <a:rPr lang="en-US" dirty="0"/>
+              <a:t>NumPy exercises: </a:t>
+            </a:r>
+            <a:r>
+              <a:rPr lang="en-US" dirty="0">
+                <a:hlinkClick r:id="rId2"/>
+              </a:rPr>
+              <a:t>https://www.w3resource.com/python-exercises/numpy/index.php</a:t>
+            </a:r>
+            <a:endParaRPr lang="en-US" dirty="0"/>
+          </a:p>
+          <a:p>
+            <a:r>
+              <a:rPr lang="en-US" dirty="0"/>
+              <a:t>Pandas exercises: </a:t>
+            </a:r>
+            <a:r>
+              <a:rPr lang="en-US" dirty="0">
+                <a:hlinkClick r:id="rId3"/>
+              </a:rPr>
+              <a:t>https://www.w3resource.com/python-exercises/pandas/index.php</a:t>
+            </a:r>
+            <a:endParaRPr lang="en-US" dirty="0"/>
+          </a:p>
+          <a:p>
+            <a:r>
+              <a:rPr lang="en-US" dirty="0"/>
+              <a:t>I will try to come up with some exercises (but keep practicing above). </a:t>
+            </a:r>
+          </a:p>
+        </p:txBody>
+      </p:sp>
+    </p:spTree>
+    <p:extLst>
+      <p:ext uri="{BB962C8B-B14F-4D97-AF65-F5344CB8AC3E}">
+        <p14:creationId xmlns:p14="http://schemas.microsoft.com/office/powerpoint/2010/main" val="1267589612"/>
+      </p:ext>
+    </p:extLst>
+  </p:cSld>
+  <p:clrMapOvr>
+    <a:masterClrMapping/>
+  </p:clrMapOvr>
+</p:sld>
+</file>
+
+<file path=ppt/slides/slide13.xml><?xml version="1.0" encoding="utf-8"?>
+<p:sld xmlns:a="http://schemas.openxmlformats.org/drawingml/2006/main" xmlns:r="http://schemas.openxmlformats.org/officeDocument/2006/relationships" xmlns:p="http://schemas.openxmlformats.org/presentationml/2006/main">
+  <p:cSld>
+    <p:spTree>
+      <p:nvGrpSpPr>
+        <p:cNvPr id="1" name=""/>
+        <p:cNvGrpSpPr/>
+        <p:nvPr/>
+      </p:nvGrpSpPr>
+      <p:grpSpPr>
+        <a:xfrm>
+          <a:off x="0" y="0"/>
+          <a:ext cx="0" cy="0"/>
+          <a:chOff x="0" y="0"/>
+          <a:chExt cx="0" cy="0"/>
+        </a:xfrm>
+      </p:grpSpPr>
+      <p:sp>
+        <p:nvSpPr>
+          <p:cNvPr id="2" name="Title 1">
+            <a:extLst>
+              <a:ext uri="{FF2B5EF4-FFF2-40B4-BE49-F238E27FC236}">
+                <a16:creationId xmlns:a16="http://schemas.microsoft.com/office/drawing/2014/main" id="{8C939318-9D10-48DF-A461-37695A33F279}"/>
+              </a:ext>
+            </a:extLst>
+          </p:cNvPr>
+          <p:cNvSpPr>
+            <a:spLocks noGrp="1"/>
+          </p:cNvSpPr>
+          <p:nvPr>
+            <p:ph type="title"/>
+          </p:nvPr>
+        </p:nvSpPr>
+        <p:spPr/>
+        <p:txBody>
+          <a:bodyPr/>
+          <a:lstStyle/>
+          <a:p>
+            <a:r>
+              <a:rPr lang="en-US" dirty="0" err="1"/>
+              <a:t>SciKit</a:t>
+            </a:r>
+            <a:r>
+              <a:rPr lang="en-US" dirty="0"/>
+              <a:t> Learn</a:t>
+            </a:r>
+          </a:p>
+        </p:txBody>
+      </p:sp>
+      <p:sp>
+        <p:nvSpPr>
+          <p:cNvPr id="3" name="Content Placeholder 2">
+            <a:extLst>
+              <a:ext uri="{FF2B5EF4-FFF2-40B4-BE49-F238E27FC236}">
+                <a16:creationId xmlns:a16="http://schemas.microsoft.com/office/drawing/2014/main" id="{9A338411-8F71-4548-9153-563DBA6D5C78}"/>
+              </a:ext>
+            </a:extLst>
+          </p:cNvPr>
+          <p:cNvSpPr>
+            <a:spLocks noGrp="1"/>
+          </p:cNvSpPr>
+          <p:nvPr>
+            <p:ph idx="1"/>
+          </p:nvPr>
+        </p:nvSpPr>
+        <p:spPr/>
+        <p:txBody>
+          <a:bodyPr/>
+          <a:lstStyle/>
+          <a:p>
+            <a:r>
+              <a:rPr lang="en-US" dirty="0"/>
+              <a:t>Provides efficient implementation of a large number of machine learning algorithms</a:t>
+            </a:r>
+          </a:p>
+          <a:p>
+            <a:r>
+              <a:rPr lang="en-US" dirty="0"/>
+              <a:t>Clean, uniform, streamlined API along with online documentation</a:t>
+            </a:r>
+          </a:p>
+          <a:p>
+            <a:r>
+              <a:rPr lang="en-US" dirty="0"/>
+              <a:t>Understand Scikit-Learn for one type of model and switch to other model effortlessly</a:t>
+            </a:r>
+          </a:p>
+          <a:p>
+            <a:endParaRPr lang="en-US" dirty="0"/>
+          </a:p>
+          <a:p>
+            <a:endParaRPr lang="en-US" dirty="0"/>
+          </a:p>
+        </p:txBody>
+      </p:sp>
+    </p:spTree>
+    <p:extLst>
+      <p:ext uri="{BB962C8B-B14F-4D97-AF65-F5344CB8AC3E}">
+        <p14:creationId xmlns:p14="http://schemas.microsoft.com/office/powerpoint/2010/main" val="3590391172"/>
+      </p:ext>
+    </p:extLst>
+  </p:cSld>
+  <p:clrMapOvr>
+    <a:masterClrMapping/>
+  </p:clrMapOvr>
+</p:sld>
+</file>
+
+<file path=ppt/slides/slide14.xml><?xml version="1.0" encoding="utf-8"?>
+<p:sld xmlns:a="http://schemas.openxmlformats.org/drawingml/2006/main" xmlns:r="http://schemas.openxmlformats.org/officeDocument/2006/relationships" xmlns:p="http://schemas.openxmlformats.org/presentationml/2006/main">
+  <p:cSld>
+    <p:spTree>
+      <p:nvGrpSpPr>
+        <p:cNvPr id="1" name=""/>
+        <p:cNvGrpSpPr/>
+        <p:nvPr/>
+      </p:nvGrpSpPr>
+      <p:grpSpPr>
+        <a:xfrm>
+          <a:off x="0" y="0"/>
+          <a:ext cx="0" cy="0"/>
+          <a:chOff x="0" y="0"/>
+          <a:chExt cx="0" cy="0"/>
+        </a:xfrm>
+      </p:grpSpPr>
+      <p:sp>
+        <p:nvSpPr>
+          <p:cNvPr id="2" name="Title 1">
+            <a:extLst>
+              <a:ext uri="{FF2B5EF4-FFF2-40B4-BE49-F238E27FC236}">
+                <a16:creationId xmlns:a16="http://schemas.microsoft.com/office/drawing/2014/main" id="{8C939318-9D10-48DF-A461-37695A33F279}"/>
+              </a:ext>
+            </a:extLst>
+          </p:cNvPr>
+          <p:cNvSpPr>
+            <a:spLocks noGrp="1"/>
+          </p:cNvSpPr>
+          <p:nvPr>
+            <p:ph type="title"/>
+          </p:nvPr>
+        </p:nvSpPr>
+        <p:spPr/>
+        <p:txBody>
+          <a:bodyPr/>
+          <a:lstStyle/>
+          <a:p>
+            <a:r>
+              <a:rPr lang="en-US" dirty="0" err="1"/>
+              <a:t>SciKit</a:t>
+            </a:r>
+            <a:r>
+              <a:rPr lang="en-US" dirty="0"/>
+              <a:t> Learn – Steps in using the API</a:t>
+            </a:r>
+          </a:p>
+        </p:txBody>
+      </p:sp>
+      <p:sp>
+        <p:nvSpPr>
+          <p:cNvPr id="3" name="Content Placeholder 2">
+            <a:extLst>
+              <a:ext uri="{FF2B5EF4-FFF2-40B4-BE49-F238E27FC236}">
+                <a16:creationId xmlns:a16="http://schemas.microsoft.com/office/drawing/2014/main" id="{9A338411-8F71-4548-9153-563DBA6D5C78}"/>
+              </a:ext>
+            </a:extLst>
+          </p:cNvPr>
+          <p:cNvSpPr>
+            <a:spLocks noGrp="1"/>
+          </p:cNvSpPr>
+          <p:nvPr>
+            <p:ph idx="1"/>
+          </p:nvPr>
+        </p:nvSpPr>
+        <p:spPr>
+          <a:xfrm>
+            <a:off x="838200" y="1623696"/>
+            <a:ext cx="10515600" cy="4351338"/>
+          </a:xfrm>
+        </p:spPr>
+        <p:txBody>
+          <a:bodyPr>
+            <a:normAutofit fontScale="92500" lnSpcReduction="20000"/>
+          </a:bodyPr>
+          <a:lstStyle/>
+          <a:p>
+            <a:r>
+              <a:rPr lang="en-US" dirty="0"/>
+              <a:t>Choose a class of model by importing the appropriate estimator class from Scikit-Learn.</a:t>
+            </a:r>
+          </a:p>
+          <a:p>
+            <a:r>
+              <a:rPr lang="en-US" dirty="0"/>
+              <a:t>Choose model hyperparameters by instantiating this class with desired values.</a:t>
+            </a:r>
+          </a:p>
+          <a:p>
+            <a:r>
+              <a:rPr lang="en-US" dirty="0"/>
+              <a:t>Arrange data into a features matrix and target vector following the discussion above.</a:t>
+            </a:r>
+          </a:p>
+          <a:p>
+            <a:r>
+              <a:rPr lang="en-US" dirty="0"/>
+              <a:t>Fit the model to your data by calling the fit() method of the model instance.</a:t>
+            </a:r>
+          </a:p>
+          <a:p>
+            <a:r>
+              <a:rPr lang="en-US" dirty="0"/>
+              <a:t>Apply the Model to new data:</a:t>
+            </a:r>
+          </a:p>
+          <a:p>
+            <a:pPr lvl="1"/>
+            <a:r>
+              <a:rPr lang="en-US" dirty="0"/>
+              <a:t>For supervised learning, often we predict labels for unknown data using the predict() method.</a:t>
+            </a:r>
+          </a:p>
+          <a:p>
+            <a:pPr lvl="1"/>
+            <a:r>
+              <a:rPr lang="en-US" dirty="0"/>
+              <a:t>For unsupervised learning, we often transform or infer properties of the data using the transform() or predict() method.</a:t>
+            </a:r>
+          </a:p>
+        </p:txBody>
+      </p:sp>
+    </p:spTree>
+    <p:extLst>
+      <p:ext uri="{BB962C8B-B14F-4D97-AF65-F5344CB8AC3E}">
+        <p14:creationId xmlns:p14="http://schemas.microsoft.com/office/powerpoint/2010/main" val="1429301846"/>
+      </p:ext>
+    </p:extLst>
+  </p:cSld>
+  <p:clrMapOvr>
+    <a:masterClrMapping/>
+  </p:clrMapOvr>
+</p:sld>
+</file>
+
 <file path=ppt/slides/slide2.xml><?xml version="1.0" encoding="utf-8"?>
 <p:sld xmlns:a="http://schemas.openxmlformats.org/drawingml/2006/main" xmlns:r="http://schemas.openxmlformats.org/officeDocument/2006/relationships" xmlns:p="http://schemas.openxmlformats.org/presentationml/2006/main">
   <p:cSld>

--- a/Spring2020/CSE351-S20/lectures/Python for Data Science - JakeVanderPlas.pptx
+++ b/Spring2020/CSE351-S20/lectures/Python for Data Science - JakeVanderPlas.pptx
@@ -19,6 +19,18 @@
     <p:sldId id="269" r:id="rId13"/>
     <p:sldId id="270" r:id="rId14"/>
     <p:sldId id="271" r:id="rId15"/>
+    <p:sldId id="272" r:id="rId16"/>
+    <p:sldId id="274" r:id="rId17"/>
+    <p:sldId id="275" r:id="rId18"/>
+    <p:sldId id="276" r:id="rId19"/>
+    <p:sldId id="277" r:id="rId20"/>
+    <p:sldId id="273" r:id="rId21"/>
+    <p:sldId id="278" r:id="rId22"/>
+    <p:sldId id="279" r:id="rId23"/>
+    <p:sldId id="280" r:id="rId24"/>
+    <p:sldId id="281" r:id="rId25"/>
+    <p:sldId id="282" r:id="rId26"/>
+    <p:sldId id="283" r:id="rId27"/>
   </p:sldIdLst>
   <p:sldSz cx="12192000" cy="6858000"/>
   <p:notesSz cx="7315200" cy="9601200"/>
@@ -272,7 +284,7 @@
           <a:p>
             <a:fld id="{225A9EBB-BD22-4263-8DC9-D57B97EC5892}" type="datetimeFigureOut">
               <a:rPr lang="en-US" smtClean="0"/>
-              <a:t>5/20/2020</a:t>
+              <a:t>5/24/2020</a:t>
             </a:fld>
             <a:endParaRPr lang="en-US"/>
           </a:p>
@@ -470,7 +482,7 @@
           <a:p>
             <a:fld id="{225A9EBB-BD22-4263-8DC9-D57B97EC5892}" type="datetimeFigureOut">
               <a:rPr lang="en-US" smtClean="0"/>
-              <a:t>5/20/2020</a:t>
+              <a:t>5/24/2020</a:t>
             </a:fld>
             <a:endParaRPr lang="en-US"/>
           </a:p>
@@ -678,7 +690,7 @@
           <a:p>
             <a:fld id="{225A9EBB-BD22-4263-8DC9-D57B97EC5892}" type="datetimeFigureOut">
               <a:rPr lang="en-US" smtClean="0"/>
-              <a:t>5/20/2020</a:t>
+              <a:t>5/24/2020</a:t>
             </a:fld>
             <a:endParaRPr lang="en-US"/>
           </a:p>
@@ -876,7 +888,7 @@
           <a:p>
             <a:fld id="{225A9EBB-BD22-4263-8DC9-D57B97EC5892}" type="datetimeFigureOut">
               <a:rPr lang="en-US" smtClean="0"/>
-              <a:t>5/20/2020</a:t>
+              <a:t>5/24/2020</a:t>
             </a:fld>
             <a:endParaRPr lang="en-US"/>
           </a:p>
@@ -1151,7 +1163,7 @@
           <a:p>
             <a:fld id="{225A9EBB-BD22-4263-8DC9-D57B97EC5892}" type="datetimeFigureOut">
               <a:rPr lang="en-US" smtClean="0"/>
-              <a:t>5/20/2020</a:t>
+              <a:t>5/24/2020</a:t>
             </a:fld>
             <a:endParaRPr lang="en-US"/>
           </a:p>
@@ -1416,7 +1428,7 @@
           <a:p>
             <a:fld id="{225A9EBB-BD22-4263-8DC9-D57B97EC5892}" type="datetimeFigureOut">
               <a:rPr lang="en-US" smtClean="0"/>
-              <a:t>5/20/2020</a:t>
+              <a:t>5/24/2020</a:t>
             </a:fld>
             <a:endParaRPr lang="en-US"/>
           </a:p>
@@ -1828,7 +1840,7 @@
           <a:p>
             <a:fld id="{225A9EBB-BD22-4263-8DC9-D57B97EC5892}" type="datetimeFigureOut">
               <a:rPr lang="en-US" smtClean="0"/>
-              <a:t>5/20/2020</a:t>
+              <a:t>5/24/2020</a:t>
             </a:fld>
             <a:endParaRPr lang="en-US"/>
           </a:p>
@@ -1969,7 +1981,7 @@
           <a:p>
             <a:fld id="{225A9EBB-BD22-4263-8DC9-D57B97EC5892}" type="datetimeFigureOut">
               <a:rPr lang="en-US" smtClean="0"/>
-              <a:t>5/20/2020</a:t>
+              <a:t>5/24/2020</a:t>
             </a:fld>
             <a:endParaRPr lang="en-US"/>
           </a:p>
@@ -2082,7 +2094,7 @@
           <a:p>
             <a:fld id="{225A9EBB-BD22-4263-8DC9-D57B97EC5892}" type="datetimeFigureOut">
               <a:rPr lang="en-US" smtClean="0"/>
-              <a:t>5/20/2020</a:t>
+              <a:t>5/24/2020</a:t>
             </a:fld>
             <a:endParaRPr lang="en-US"/>
           </a:p>
@@ -2393,7 +2405,7 @@
           <a:p>
             <a:fld id="{225A9EBB-BD22-4263-8DC9-D57B97EC5892}" type="datetimeFigureOut">
               <a:rPr lang="en-US" smtClean="0"/>
-              <a:t>5/20/2020</a:t>
+              <a:t>5/24/2020</a:t>
             </a:fld>
             <a:endParaRPr lang="en-US"/>
           </a:p>
@@ -2681,7 +2693,7 @@
           <a:p>
             <a:fld id="{225A9EBB-BD22-4263-8DC9-D57B97EC5892}" type="datetimeFigureOut">
               <a:rPr lang="en-US" smtClean="0"/>
-              <a:t>5/20/2020</a:t>
+              <a:t>5/24/2020</a:t>
             </a:fld>
             <a:endParaRPr lang="en-US"/>
           </a:p>
@@ -2922,7 +2934,7 @@
           <a:p>
             <a:fld id="{225A9EBB-BD22-4263-8DC9-D57B97EC5892}" type="datetimeFigureOut">
               <a:rPr lang="en-US" smtClean="0"/>
-              <a:t>5/20/2020</a:t>
+              <a:t>5/24/2020</a:t>
             </a:fld>
             <a:endParaRPr lang="en-US"/>
           </a:p>
@@ -4322,6 +4334,1193 @@
 </p:sld>
 </file>
 
+<file path=ppt/slides/slide15.xml><?xml version="1.0" encoding="utf-8"?>
+<p:sld xmlns:a="http://schemas.openxmlformats.org/drawingml/2006/main" xmlns:r="http://schemas.openxmlformats.org/officeDocument/2006/relationships" xmlns:p="http://schemas.openxmlformats.org/presentationml/2006/main">
+  <p:cSld>
+    <p:spTree>
+      <p:nvGrpSpPr>
+        <p:cNvPr id="1" name=""/>
+        <p:cNvGrpSpPr/>
+        <p:nvPr/>
+      </p:nvGrpSpPr>
+      <p:grpSpPr>
+        <a:xfrm>
+          <a:off x="0" y="0"/>
+          <a:ext cx="0" cy="0"/>
+          <a:chOff x="0" y="0"/>
+          <a:chExt cx="0" cy="0"/>
+        </a:xfrm>
+      </p:grpSpPr>
+      <p:sp>
+        <p:nvSpPr>
+          <p:cNvPr id="2" name="Title 1">
+            <a:extLst>
+              <a:ext uri="{FF2B5EF4-FFF2-40B4-BE49-F238E27FC236}">
+                <a16:creationId xmlns:a16="http://schemas.microsoft.com/office/drawing/2014/main" id="{03EC0D5C-540B-46C6-B3A4-C11BCF52804B}"/>
+              </a:ext>
+            </a:extLst>
+          </p:cNvPr>
+          <p:cNvSpPr>
+            <a:spLocks noGrp="1"/>
+          </p:cNvSpPr>
+          <p:nvPr>
+            <p:ph type="title"/>
+          </p:nvPr>
+        </p:nvSpPr>
+        <p:spPr/>
+        <p:txBody>
+          <a:bodyPr/>
+          <a:lstStyle/>
+          <a:p>
+            <a:r>
+              <a:rPr lang="en-US" dirty="0"/>
+              <a:t>Support Vector Machines (SVM )</a:t>
+            </a:r>
+          </a:p>
+        </p:txBody>
+      </p:sp>
+      <p:sp>
+        <p:nvSpPr>
+          <p:cNvPr id="3" name="Content Placeholder 2">
+            <a:extLst>
+              <a:ext uri="{FF2B5EF4-FFF2-40B4-BE49-F238E27FC236}">
+                <a16:creationId xmlns:a16="http://schemas.microsoft.com/office/drawing/2014/main" id="{C74754FC-057D-429B-8CD9-AC1BE7A832E9}"/>
+              </a:ext>
+            </a:extLst>
+          </p:cNvPr>
+          <p:cNvSpPr>
+            <a:spLocks noGrp="1"/>
+          </p:cNvSpPr>
+          <p:nvPr>
+            <p:ph idx="1"/>
+          </p:nvPr>
+        </p:nvSpPr>
+        <p:spPr/>
+        <p:txBody>
+          <a:bodyPr>
+            <a:normAutofit/>
+          </a:bodyPr>
+          <a:lstStyle/>
+          <a:p>
+            <a:r>
+              <a:rPr lang="en-US" sz="2400" dirty="0"/>
+              <a:t>Powerful supervised algorithms for both classification and regression.</a:t>
+            </a:r>
+          </a:p>
+          <a:p>
+            <a:r>
+              <a:rPr lang="en-US" sz="2400" dirty="0"/>
+              <a:t>Mainly used to solve classification problems. </a:t>
+            </a:r>
+          </a:p>
+          <a:p>
+            <a:r>
+              <a:rPr lang="en-US" sz="2400" dirty="0"/>
+              <a:t>Algorithm creates a hyperplane or line which separates data into classes. </a:t>
+            </a:r>
+          </a:p>
+          <a:p>
+            <a:r>
+              <a:rPr lang="en-US" sz="2400" dirty="0"/>
+              <a:t>Uses the kernel trick to find the best line separator (decision boundary that has same distance from the boundary point of both classes).</a:t>
+            </a:r>
+          </a:p>
+        </p:txBody>
+      </p:sp>
+      <p:pic>
+        <p:nvPicPr>
+          <p:cNvPr id="1026" name="Picture 2">
+            <a:extLst>
+              <a:ext uri="{FF2B5EF4-FFF2-40B4-BE49-F238E27FC236}">
+                <a16:creationId xmlns:a16="http://schemas.microsoft.com/office/drawing/2014/main" id="{BDA8FAEC-CD14-449A-AF39-0C49E231CBCE}"/>
+              </a:ext>
+            </a:extLst>
+          </p:cNvPr>
+          <p:cNvPicPr>
+            <a:picLocks noChangeAspect="1" noChangeArrowheads="1"/>
+          </p:cNvPicPr>
+          <p:nvPr/>
+        </p:nvPicPr>
+        <p:blipFill>
+          <a:blip r:embed="rId2">
+            <a:extLst>
+              <a:ext uri="{28A0092B-C50C-407E-A947-70E740481C1C}">
+                <a14:useLocalDpi xmlns:a14="http://schemas.microsoft.com/office/drawing/2010/main" val="0"/>
+              </a:ext>
+            </a:extLst>
+          </a:blip>
+          <a:srcRect/>
+          <a:stretch>
+            <a:fillRect/>
+          </a:stretch>
+        </p:blipFill>
+        <p:spPr bwMode="auto">
+          <a:xfrm>
+            <a:off x="3384233" y="4001294"/>
+            <a:ext cx="5200967" cy="2686592"/>
+          </a:xfrm>
+          <a:prstGeom prst="rect">
+            <a:avLst/>
+          </a:prstGeom>
+          <a:noFill/>
+          <a:extLst>
+            <a:ext uri="{909E8E84-426E-40DD-AFC4-6F175D3DCCD1}">
+              <a14:hiddenFill xmlns:a14="http://schemas.microsoft.com/office/drawing/2010/main">
+                <a:solidFill>
+                  <a:srgbClr val="FFFFFF"/>
+                </a:solidFill>
+              </a14:hiddenFill>
+            </a:ext>
+          </a:extLst>
+        </p:spPr>
+      </p:pic>
+    </p:spTree>
+    <p:extLst>
+      <p:ext uri="{BB962C8B-B14F-4D97-AF65-F5344CB8AC3E}">
+        <p14:creationId xmlns:p14="http://schemas.microsoft.com/office/powerpoint/2010/main" val="2815155757"/>
+      </p:ext>
+    </p:extLst>
+  </p:cSld>
+  <p:clrMapOvr>
+    <a:masterClrMapping/>
+  </p:clrMapOvr>
+</p:sld>
+</file>
+
+<file path=ppt/slides/slide16.xml><?xml version="1.0" encoding="utf-8"?>
+<p:sld xmlns:a="http://schemas.openxmlformats.org/drawingml/2006/main" xmlns:r="http://schemas.openxmlformats.org/officeDocument/2006/relationships" xmlns:p="http://schemas.openxmlformats.org/presentationml/2006/main">
+  <p:cSld>
+    <p:spTree>
+      <p:nvGrpSpPr>
+        <p:cNvPr id="1" name=""/>
+        <p:cNvGrpSpPr/>
+        <p:nvPr/>
+      </p:nvGrpSpPr>
+      <p:grpSpPr>
+        <a:xfrm>
+          <a:off x="0" y="0"/>
+          <a:ext cx="0" cy="0"/>
+          <a:chOff x="0" y="0"/>
+          <a:chExt cx="0" cy="0"/>
+        </a:xfrm>
+      </p:grpSpPr>
+      <p:sp>
+        <p:nvSpPr>
+          <p:cNvPr id="2" name="Title 1">
+            <a:extLst>
+              <a:ext uri="{FF2B5EF4-FFF2-40B4-BE49-F238E27FC236}">
+                <a16:creationId xmlns:a16="http://schemas.microsoft.com/office/drawing/2014/main" id="{03EC0D5C-540B-46C6-B3A4-C11BCF52804B}"/>
+              </a:ext>
+            </a:extLst>
+          </p:cNvPr>
+          <p:cNvSpPr>
+            <a:spLocks noGrp="1"/>
+          </p:cNvSpPr>
+          <p:nvPr>
+            <p:ph type="title"/>
+          </p:nvPr>
+        </p:nvSpPr>
+        <p:spPr/>
+        <p:txBody>
+          <a:bodyPr/>
+          <a:lstStyle/>
+          <a:p>
+            <a:r>
+              <a:rPr lang="en-US" dirty="0"/>
+              <a:t>Difference Between SVM and Logistic Regression</a:t>
+            </a:r>
+          </a:p>
+        </p:txBody>
+      </p:sp>
+      <p:sp>
+        <p:nvSpPr>
+          <p:cNvPr id="3" name="Content Placeholder 2">
+            <a:extLst>
+              <a:ext uri="{FF2B5EF4-FFF2-40B4-BE49-F238E27FC236}">
+                <a16:creationId xmlns:a16="http://schemas.microsoft.com/office/drawing/2014/main" id="{C74754FC-057D-429B-8CD9-AC1BE7A832E9}"/>
+              </a:ext>
+            </a:extLst>
+          </p:cNvPr>
+          <p:cNvSpPr>
+            <a:spLocks noGrp="1"/>
+          </p:cNvSpPr>
+          <p:nvPr>
+            <p:ph idx="1"/>
+          </p:nvPr>
+        </p:nvSpPr>
+        <p:spPr/>
+        <p:txBody>
+          <a:bodyPr>
+            <a:normAutofit/>
+          </a:bodyPr>
+          <a:lstStyle/>
+          <a:p>
+            <a:r>
+              <a:rPr lang="en-US" sz="2400" dirty="0"/>
+              <a:t>SVM tries to finds the “best” margin that separates the classes and this reduces the risk of error on the data </a:t>
+            </a:r>
+          </a:p>
+          <a:p>
+            <a:r>
+              <a:rPr lang="en-US" sz="2400" dirty="0"/>
+              <a:t>Logistic regression can have different decision boundaries with different weights that are near the optimal point.</a:t>
+            </a:r>
+          </a:p>
+          <a:p>
+            <a:r>
+              <a:rPr lang="en-US" sz="2400" dirty="0"/>
+              <a:t>SVM works well with unstructured and semi-structured data like text and images. </a:t>
+            </a:r>
+          </a:p>
+          <a:p>
+            <a:r>
+              <a:rPr lang="en-US" sz="2400" dirty="0"/>
+              <a:t>Logistic regression works with already identified independent variables.</a:t>
+            </a:r>
+          </a:p>
+        </p:txBody>
+      </p:sp>
+      <p:pic>
+        <p:nvPicPr>
+          <p:cNvPr id="2050" name="Picture 2">
+            <a:extLst>
+              <a:ext uri="{FF2B5EF4-FFF2-40B4-BE49-F238E27FC236}">
+                <a16:creationId xmlns:a16="http://schemas.microsoft.com/office/drawing/2014/main" id="{D8085DFE-2DA4-4520-B202-007A1ADC425A}"/>
+              </a:ext>
+            </a:extLst>
+          </p:cNvPr>
+          <p:cNvPicPr>
+            <a:picLocks noChangeAspect="1" noChangeArrowheads="1"/>
+          </p:cNvPicPr>
+          <p:nvPr/>
+        </p:nvPicPr>
+        <p:blipFill>
+          <a:blip r:embed="rId2">
+            <a:extLst>
+              <a:ext uri="{28A0092B-C50C-407E-A947-70E740481C1C}">
+                <a14:useLocalDpi xmlns:a14="http://schemas.microsoft.com/office/drawing/2010/main" val="0"/>
+              </a:ext>
+            </a:extLst>
+          </a:blip>
+          <a:srcRect/>
+          <a:stretch>
+            <a:fillRect/>
+          </a:stretch>
+        </p:blipFill>
+        <p:spPr bwMode="auto">
+          <a:xfrm>
+            <a:off x="3068886" y="4248922"/>
+            <a:ext cx="5734050" cy="2457450"/>
+          </a:xfrm>
+          <a:prstGeom prst="rect">
+            <a:avLst/>
+          </a:prstGeom>
+          <a:noFill/>
+          <a:extLst>
+            <a:ext uri="{909E8E84-426E-40DD-AFC4-6F175D3DCCD1}">
+              <a14:hiddenFill xmlns:a14="http://schemas.microsoft.com/office/drawing/2010/main">
+                <a:solidFill>
+                  <a:srgbClr val="FFFFFF"/>
+                </a:solidFill>
+              </a14:hiddenFill>
+            </a:ext>
+          </a:extLst>
+        </p:spPr>
+      </p:pic>
+    </p:spTree>
+    <p:extLst>
+      <p:ext uri="{BB962C8B-B14F-4D97-AF65-F5344CB8AC3E}">
+        <p14:creationId xmlns:p14="http://schemas.microsoft.com/office/powerpoint/2010/main" val="2381180235"/>
+      </p:ext>
+    </p:extLst>
+  </p:cSld>
+  <p:clrMapOvr>
+    <a:masterClrMapping/>
+  </p:clrMapOvr>
+</p:sld>
+</file>
+
+<file path=ppt/slides/slide17.xml><?xml version="1.0" encoding="utf-8"?>
+<p:sld xmlns:a="http://schemas.openxmlformats.org/drawingml/2006/main" xmlns:r="http://schemas.openxmlformats.org/officeDocument/2006/relationships" xmlns:p="http://schemas.openxmlformats.org/presentationml/2006/main">
+  <p:cSld>
+    <p:spTree>
+      <p:nvGrpSpPr>
+        <p:cNvPr id="1" name=""/>
+        <p:cNvGrpSpPr/>
+        <p:nvPr/>
+      </p:nvGrpSpPr>
+      <p:grpSpPr>
+        <a:xfrm>
+          <a:off x="0" y="0"/>
+          <a:ext cx="0" cy="0"/>
+          <a:chOff x="0" y="0"/>
+          <a:chExt cx="0" cy="0"/>
+        </a:xfrm>
+      </p:grpSpPr>
+      <p:sp>
+        <p:nvSpPr>
+          <p:cNvPr id="2" name="Title 1">
+            <a:extLst>
+              <a:ext uri="{FF2B5EF4-FFF2-40B4-BE49-F238E27FC236}">
+                <a16:creationId xmlns:a16="http://schemas.microsoft.com/office/drawing/2014/main" id="{03EC0D5C-540B-46C6-B3A4-C11BCF52804B}"/>
+              </a:ext>
+            </a:extLst>
+          </p:cNvPr>
+          <p:cNvSpPr>
+            <a:spLocks noGrp="1"/>
+          </p:cNvSpPr>
+          <p:nvPr>
+            <p:ph type="title"/>
+          </p:nvPr>
+        </p:nvSpPr>
+        <p:spPr>
+          <a:xfrm>
+            <a:off x="1356360" y="191725"/>
+            <a:ext cx="10515600" cy="1325563"/>
+          </a:xfrm>
+        </p:spPr>
+        <p:txBody>
+          <a:bodyPr/>
+          <a:lstStyle/>
+          <a:p>
+            <a:r>
+              <a:rPr lang="en-US" dirty="0"/>
+              <a:t>Significance of C Value in SVM</a:t>
+            </a:r>
+          </a:p>
+        </p:txBody>
+      </p:sp>
+      <p:sp>
+        <p:nvSpPr>
+          <p:cNvPr id="3" name="Content Placeholder 2">
+            <a:extLst>
+              <a:ext uri="{FF2B5EF4-FFF2-40B4-BE49-F238E27FC236}">
+                <a16:creationId xmlns:a16="http://schemas.microsoft.com/office/drawing/2014/main" id="{C74754FC-057D-429B-8CD9-AC1BE7A832E9}"/>
+              </a:ext>
+            </a:extLst>
+          </p:cNvPr>
+          <p:cNvSpPr>
+            <a:spLocks noGrp="1"/>
+          </p:cNvSpPr>
+          <p:nvPr>
+            <p:ph idx="1"/>
+          </p:nvPr>
+        </p:nvSpPr>
+        <p:spPr>
+          <a:xfrm>
+            <a:off x="838200" y="1409065"/>
+            <a:ext cx="10515600" cy="4351338"/>
+          </a:xfrm>
+        </p:spPr>
+        <p:txBody>
+          <a:bodyPr>
+            <a:normAutofit/>
+          </a:bodyPr>
+          <a:lstStyle/>
+          <a:p>
+            <a:r>
+              <a:rPr lang="en-US" sz="2400" dirty="0"/>
+              <a:t>In SVM, we try to:</a:t>
+            </a:r>
+          </a:p>
+          <a:p>
+            <a:pPr lvl="1"/>
+            <a:r>
+              <a:rPr lang="en-US" sz="2000" dirty="0"/>
+              <a:t>Set a lower margin</a:t>
+            </a:r>
+          </a:p>
+          <a:p>
+            <a:pPr lvl="1"/>
+            <a:r>
+              <a:rPr lang="en-US" sz="2000" dirty="0"/>
+              <a:t>Lowering misclassification rate </a:t>
+            </a:r>
+          </a:p>
+          <a:p>
+            <a:r>
+              <a:rPr lang="en-US" sz="2400" dirty="0"/>
+              <a:t>Parameter C</a:t>
+            </a:r>
+          </a:p>
+          <a:p>
+            <a:pPr lvl="1"/>
+            <a:r>
+              <a:rPr lang="en-US" sz="2000" dirty="0"/>
+              <a:t>Large value of parameter C =&gt; small margin</a:t>
+            </a:r>
+          </a:p>
+          <a:p>
+            <a:pPr lvl="1"/>
+            <a:r>
+              <a:rPr lang="en-US" sz="2000" dirty="0"/>
+              <a:t>Small value of parameter C =&gt; large margin</a:t>
+            </a:r>
+          </a:p>
+          <a:p>
+            <a:pPr marL="457200" lvl="1" indent="0">
+              <a:buNone/>
+            </a:pPr>
+            <a:endParaRPr lang="en-US" sz="2000" dirty="0"/>
+          </a:p>
+        </p:txBody>
+      </p:sp>
+      <p:pic>
+        <p:nvPicPr>
+          <p:cNvPr id="3074" name="Picture 2">
+            <a:extLst>
+              <a:ext uri="{FF2B5EF4-FFF2-40B4-BE49-F238E27FC236}">
+                <a16:creationId xmlns:a16="http://schemas.microsoft.com/office/drawing/2014/main" id="{731839D2-C2E5-4A45-B38F-D01DCB3F22B7}"/>
+              </a:ext>
+            </a:extLst>
+          </p:cNvPr>
+          <p:cNvPicPr>
+            <a:picLocks noChangeAspect="1" noChangeArrowheads="1"/>
+          </p:cNvPicPr>
+          <p:nvPr/>
+        </p:nvPicPr>
+        <p:blipFill>
+          <a:blip r:embed="rId2">
+            <a:extLst>
+              <a:ext uri="{28A0092B-C50C-407E-A947-70E740481C1C}">
+                <a14:useLocalDpi xmlns:a14="http://schemas.microsoft.com/office/drawing/2010/main" val="0"/>
+              </a:ext>
+            </a:extLst>
+          </a:blip>
+          <a:srcRect/>
+          <a:stretch>
+            <a:fillRect/>
+          </a:stretch>
+        </p:blipFill>
+        <p:spPr bwMode="auto">
+          <a:xfrm>
+            <a:off x="1930083" y="4054793"/>
+            <a:ext cx="7955597" cy="2611482"/>
+          </a:xfrm>
+          <a:prstGeom prst="rect">
+            <a:avLst/>
+          </a:prstGeom>
+          <a:noFill/>
+          <a:extLst>
+            <a:ext uri="{909E8E84-426E-40DD-AFC4-6F175D3DCCD1}">
+              <a14:hiddenFill xmlns:a14="http://schemas.microsoft.com/office/drawing/2010/main">
+                <a:solidFill>
+                  <a:srgbClr val="FFFFFF"/>
+                </a:solidFill>
+              </a14:hiddenFill>
+            </a:ext>
+          </a:extLst>
+        </p:spPr>
+      </p:pic>
+    </p:spTree>
+    <p:extLst>
+      <p:ext uri="{BB962C8B-B14F-4D97-AF65-F5344CB8AC3E}">
+        <p14:creationId xmlns:p14="http://schemas.microsoft.com/office/powerpoint/2010/main" val="1350938083"/>
+      </p:ext>
+    </p:extLst>
+  </p:cSld>
+  <p:clrMapOvr>
+    <a:masterClrMapping/>
+  </p:clrMapOvr>
+</p:sld>
+</file>
+
+<file path=ppt/slides/slide18.xml><?xml version="1.0" encoding="utf-8"?>
+<p:sld xmlns:a="http://schemas.openxmlformats.org/drawingml/2006/main" xmlns:r="http://schemas.openxmlformats.org/officeDocument/2006/relationships" xmlns:p="http://schemas.openxmlformats.org/presentationml/2006/main">
+  <p:cSld>
+    <p:spTree>
+      <p:nvGrpSpPr>
+        <p:cNvPr id="1" name=""/>
+        <p:cNvGrpSpPr/>
+        <p:nvPr/>
+      </p:nvGrpSpPr>
+      <p:grpSpPr>
+        <a:xfrm>
+          <a:off x="0" y="0"/>
+          <a:ext cx="0" cy="0"/>
+          <a:chOff x="0" y="0"/>
+          <a:chExt cx="0" cy="0"/>
+        </a:xfrm>
+      </p:grpSpPr>
+      <p:sp>
+        <p:nvSpPr>
+          <p:cNvPr id="2" name="Title 1">
+            <a:extLst>
+              <a:ext uri="{FF2B5EF4-FFF2-40B4-BE49-F238E27FC236}">
+                <a16:creationId xmlns:a16="http://schemas.microsoft.com/office/drawing/2014/main" id="{03EC0D5C-540B-46C6-B3A4-C11BCF52804B}"/>
+              </a:ext>
+            </a:extLst>
+          </p:cNvPr>
+          <p:cNvSpPr>
+            <a:spLocks noGrp="1"/>
+          </p:cNvSpPr>
+          <p:nvPr>
+            <p:ph type="title"/>
+          </p:nvPr>
+        </p:nvSpPr>
+        <p:spPr>
+          <a:xfrm>
+            <a:off x="1356360" y="191725"/>
+            <a:ext cx="10515600" cy="1325563"/>
+          </a:xfrm>
+        </p:spPr>
+        <p:txBody>
+          <a:bodyPr/>
+          <a:lstStyle/>
+          <a:p>
+            <a:r>
+              <a:rPr lang="en-US" dirty="0"/>
+              <a:t>SVM and Kernel Trick</a:t>
+            </a:r>
+          </a:p>
+        </p:txBody>
+      </p:sp>
+      <p:sp>
+        <p:nvSpPr>
+          <p:cNvPr id="3" name="Content Placeholder 2">
+            <a:extLst>
+              <a:ext uri="{FF2B5EF4-FFF2-40B4-BE49-F238E27FC236}">
+                <a16:creationId xmlns:a16="http://schemas.microsoft.com/office/drawing/2014/main" id="{C74754FC-057D-429B-8CD9-AC1BE7A832E9}"/>
+              </a:ext>
+            </a:extLst>
+          </p:cNvPr>
+          <p:cNvSpPr>
+            <a:spLocks noGrp="1"/>
+          </p:cNvSpPr>
+          <p:nvPr>
+            <p:ph idx="1"/>
+          </p:nvPr>
+        </p:nvSpPr>
+        <p:spPr>
+          <a:xfrm>
+            <a:off x="472439" y="1282537"/>
+            <a:ext cx="11617139" cy="4132159"/>
+          </a:xfrm>
+        </p:spPr>
+        <p:txBody>
+          <a:bodyPr>
+            <a:normAutofit/>
+          </a:bodyPr>
+          <a:lstStyle/>
+          <a:p>
+            <a:r>
+              <a:rPr lang="en-US" sz="2400" dirty="0"/>
+              <a:t>For non-linear datasets, we can not find a straight line. SVM uses kernel trick to solve this problem. </a:t>
+            </a:r>
+          </a:p>
+          <a:p>
+            <a:r>
+              <a:rPr lang="en-US" sz="2400" dirty="0"/>
+              <a:t>Basic idea is that add another dimension, maybe data will be </a:t>
+            </a:r>
+            <a:r>
+              <a:rPr lang="en-US" sz="2400" dirty="0" err="1"/>
+              <a:t>seperable</a:t>
+            </a:r>
+            <a:r>
+              <a:rPr lang="en-US" sz="2400" dirty="0"/>
+              <a:t>. </a:t>
+            </a:r>
+          </a:p>
+          <a:p>
+            <a:r>
+              <a:rPr lang="en-US" sz="2400" dirty="0"/>
+              <a:t>Another dimension can be added – for example based on distance. </a:t>
+            </a:r>
+          </a:p>
+          <a:p>
+            <a:pPr marL="0" indent="0">
+              <a:buNone/>
+            </a:pPr>
+            <a:endParaRPr lang="en-US" sz="2000" dirty="0"/>
+          </a:p>
+          <a:p>
+            <a:pPr marL="457200" lvl="1" indent="0">
+              <a:buNone/>
+            </a:pPr>
+            <a:endParaRPr lang="en-US" sz="2000" dirty="0"/>
+          </a:p>
+        </p:txBody>
+      </p:sp>
+      <p:pic>
+        <p:nvPicPr>
+          <p:cNvPr id="4098" name="Picture 2">
+            <a:extLst>
+              <a:ext uri="{FF2B5EF4-FFF2-40B4-BE49-F238E27FC236}">
+                <a16:creationId xmlns:a16="http://schemas.microsoft.com/office/drawing/2014/main" id="{2075716A-9BE6-40C0-AE4D-6482931BEE55}"/>
+              </a:ext>
+            </a:extLst>
+          </p:cNvPr>
+          <p:cNvPicPr>
+            <a:picLocks noChangeAspect="1" noChangeArrowheads="1"/>
+          </p:cNvPicPr>
+          <p:nvPr/>
+        </p:nvPicPr>
+        <p:blipFill>
+          <a:blip r:embed="rId2">
+            <a:extLst>
+              <a:ext uri="{28A0092B-C50C-407E-A947-70E740481C1C}">
+                <a14:useLocalDpi xmlns:a14="http://schemas.microsoft.com/office/drawing/2010/main" val="0"/>
+              </a:ext>
+            </a:extLst>
+          </a:blip>
+          <a:srcRect/>
+          <a:stretch>
+            <a:fillRect/>
+          </a:stretch>
+        </p:blipFill>
+        <p:spPr bwMode="auto">
+          <a:xfrm>
+            <a:off x="566738" y="3357963"/>
+            <a:ext cx="3050222" cy="2485281"/>
+          </a:xfrm>
+          <a:prstGeom prst="rect">
+            <a:avLst/>
+          </a:prstGeom>
+          <a:noFill/>
+          <a:extLst>
+            <a:ext uri="{909E8E84-426E-40DD-AFC4-6F175D3DCCD1}">
+              <a14:hiddenFill xmlns:a14="http://schemas.microsoft.com/office/drawing/2010/main">
+                <a:solidFill>
+                  <a:srgbClr val="FFFFFF"/>
+                </a:solidFill>
+              </a14:hiddenFill>
+            </a:ext>
+          </a:extLst>
+        </p:spPr>
+      </p:pic>
+      <p:pic>
+        <p:nvPicPr>
+          <p:cNvPr id="4100" name="Picture 4">
+            <a:extLst>
+              <a:ext uri="{FF2B5EF4-FFF2-40B4-BE49-F238E27FC236}">
+                <a16:creationId xmlns:a16="http://schemas.microsoft.com/office/drawing/2014/main" id="{6C5CB6BA-3A05-47BD-9560-BB0A7610ECA7}"/>
+              </a:ext>
+            </a:extLst>
+          </p:cNvPr>
+          <p:cNvPicPr>
+            <a:picLocks noChangeAspect="1" noChangeArrowheads="1"/>
+          </p:cNvPicPr>
+          <p:nvPr/>
+        </p:nvPicPr>
+        <p:blipFill>
+          <a:blip r:embed="rId3">
+            <a:extLst>
+              <a:ext uri="{28A0092B-C50C-407E-A947-70E740481C1C}">
+                <a14:useLocalDpi xmlns:a14="http://schemas.microsoft.com/office/drawing/2010/main" val="0"/>
+              </a:ext>
+            </a:extLst>
+          </a:blip>
+          <a:srcRect/>
+          <a:stretch>
+            <a:fillRect/>
+          </a:stretch>
+        </p:blipFill>
+        <p:spPr bwMode="auto">
+          <a:xfrm>
+            <a:off x="8432707" y="3214213"/>
+            <a:ext cx="3050222" cy="2199459"/>
+          </a:xfrm>
+          <a:prstGeom prst="rect">
+            <a:avLst/>
+          </a:prstGeom>
+          <a:noFill/>
+          <a:extLst>
+            <a:ext uri="{909E8E84-426E-40DD-AFC4-6F175D3DCCD1}">
+              <a14:hiddenFill xmlns:a14="http://schemas.microsoft.com/office/drawing/2010/main">
+                <a:solidFill>
+                  <a:srgbClr val="FFFFFF"/>
+                </a:solidFill>
+              </a14:hiddenFill>
+            </a:ext>
+          </a:extLst>
+        </p:spPr>
+      </p:pic>
+      <p:pic>
+        <p:nvPicPr>
+          <p:cNvPr id="4102" name="Picture 6">
+            <a:extLst>
+              <a:ext uri="{FF2B5EF4-FFF2-40B4-BE49-F238E27FC236}">
+                <a16:creationId xmlns:a16="http://schemas.microsoft.com/office/drawing/2014/main" id="{D6027D41-EB7C-4114-BE57-AA1ABF572D5C}"/>
+              </a:ext>
+            </a:extLst>
+          </p:cNvPr>
+          <p:cNvPicPr>
+            <a:picLocks noChangeAspect="1" noChangeArrowheads="1"/>
+          </p:cNvPicPr>
+          <p:nvPr/>
+        </p:nvPicPr>
+        <p:blipFill>
+          <a:blip r:embed="rId4">
+            <a:extLst>
+              <a:ext uri="{28A0092B-C50C-407E-A947-70E740481C1C}">
+                <a14:useLocalDpi xmlns:a14="http://schemas.microsoft.com/office/drawing/2010/main" val="0"/>
+              </a:ext>
+            </a:extLst>
+          </a:blip>
+          <a:srcRect/>
+          <a:stretch>
+            <a:fillRect/>
+          </a:stretch>
+        </p:blipFill>
+        <p:spPr bwMode="auto">
+          <a:xfrm>
+            <a:off x="4258216" y="3214213"/>
+            <a:ext cx="3533235" cy="2629031"/>
+          </a:xfrm>
+          <a:prstGeom prst="rect">
+            <a:avLst/>
+          </a:prstGeom>
+          <a:noFill/>
+          <a:extLst>
+            <a:ext uri="{909E8E84-426E-40DD-AFC4-6F175D3DCCD1}">
+              <a14:hiddenFill xmlns:a14="http://schemas.microsoft.com/office/drawing/2010/main">
+                <a:solidFill>
+                  <a:srgbClr val="FFFFFF"/>
+                </a:solidFill>
+              </a14:hiddenFill>
+            </a:ext>
+          </a:extLst>
+        </p:spPr>
+      </p:pic>
+      <p:sp>
+        <p:nvSpPr>
+          <p:cNvPr id="4" name="TextBox 3">
+            <a:extLst>
+              <a:ext uri="{FF2B5EF4-FFF2-40B4-BE49-F238E27FC236}">
+                <a16:creationId xmlns:a16="http://schemas.microsoft.com/office/drawing/2014/main" id="{9AFE414F-D660-4D31-A39A-7291D424FD49}"/>
+              </a:ext>
+            </a:extLst>
+          </p:cNvPr>
+          <p:cNvSpPr txBox="1"/>
+          <p:nvPr/>
+        </p:nvSpPr>
+        <p:spPr>
+          <a:xfrm>
+            <a:off x="1056640" y="5992614"/>
+            <a:ext cx="2245360" cy="369332"/>
+          </a:xfrm>
+          <a:prstGeom prst="rect">
+            <a:avLst/>
+          </a:prstGeom>
+          <a:noFill/>
+        </p:spPr>
+        <p:txBody>
+          <a:bodyPr wrap="square" rtlCol="0">
+            <a:spAutoFit/>
+          </a:bodyPr>
+          <a:lstStyle/>
+          <a:p>
+            <a:r>
+              <a:rPr lang="en-US" dirty="0"/>
+              <a:t>Non-linear data</a:t>
+            </a:r>
+          </a:p>
+        </p:txBody>
+      </p:sp>
+      <p:sp>
+        <p:nvSpPr>
+          <p:cNvPr id="9" name="TextBox 8">
+            <a:extLst>
+              <a:ext uri="{FF2B5EF4-FFF2-40B4-BE49-F238E27FC236}">
+                <a16:creationId xmlns:a16="http://schemas.microsoft.com/office/drawing/2014/main" id="{8D9DF847-2CB8-43C5-BD76-EBC8CCB5DCDD}"/>
+              </a:ext>
+            </a:extLst>
+          </p:cNvPr>
+          <p:cNvSpPr txBox="1"/>
+          <p:nvPr/>
+        </p:nvSpPr>
+        <p:spPr>
+          <a:xfrm>
+            <a:off x="4175760" y="6073894"/>
+            <a:ext cx="3952240" cy="369332"/>
+          </a:xfrm>
+          <a:prstGeom prst="rect">
+            <a:avLst/>
+          </a:prstGeom>
+          <a:noFill/>
+        </p:spPr>
+        <p:txBody>
+          <a:bodyPr wrap="square" rtlCol="0">
+            <a:spAutoFit/>
+          </a:bodyPr>
+          <a:lstStyle/>
+          <a:p>
+            <a:r>
+              <a:rPr lang="en-US" dirty="0"/>
+              <a:t>Mapping from 2D to 3D</a:t>
+            </a:r>
+          </a:p>
+        </p:txBody>
+      </p:sp>
+      <p:pic>
+        <p:nvPicPr>
+          <p:cNvPr id="5" name="Picture 4">
+            <a:extLst>
+              <a:ext uri="{FF2B5EF4-FFF2-40B4-BE49-F238E27FC236}">
+                <a16:creationId xmlns:a16="http://schemas.microsoft.com/office/drawing/2014/main" id="{B1B3BE34-125D-476B-96D5-81800D4EC2E9}"/>
+              </a:ext>
+            </a:extLst>
+          </p:cNvPr>
+          <p:cNvPicPr>
+            <a:picLocks noChangeAspect="1"/>
+          </p:cNvPicPr>
+          <p:nvPr/>
+        </p:nvPicPr>
+        <p:blipFill>
+          <a:blip r:embed="rId5"/>
+          <a:stretch>
+            <a:fillRect/>
+          </a:stretch>
+        </p:blipFill>
+        <p:spPr>
+          <a:xfrm>
+            <a:off x="6614160" y="6092588"/>
+            <a:ext cx="1076960" cy="350638"/>
+          </a:xfrm>
+          <a:prstGeom prst="rect">
+            <a:avLst/>
+          </a:prstGeom>
+        </p:spPr>
+      </p:pic>
+      <p:sp>
+        <p:nvSpPr>
+          <p:cNvPr id="11" name="TextBox 10">
+            <a:extLst>
+              <a:ext uri="{FF2B5EF4-FFF2-40B4-BE49-F238E27FC236}">
+                <a16:creationId xmlns:a16="http://schemas.microsoft.com/office/drawing/2014/main" id="{5D0FE930-F28A-4940-9065-0FA64F07339E}"/>
+              </a:ext>
+            </a:extLst>
+          </p:cNvPr>
+          <p:cNvSpPr txBox="1"/>
+          <p:nvPr/>
+        </p:nvSpPr>
+        <p:spPr>
+          <a:xfrm>
+            <a:off x="8590280" y="6044729"/>
+            <a:ext cx="3952240" cy="369332"/>
+          </a:xfrm>
+          <a:prstGeom prst="rect">
+            <a:avLst/>
+          </a:prstGeom>
+          <a:noFill/>
+        </p:spPr>
+        <p:txBody>
+          <a:bodyPr wrap="square" rtlCol="0">
+            <a:spAutoFit/>
+          </a:bodyPr>
+          <a:lstStyle/>
+          <a:p>
+            <a:r>
+              <a:rPr lang="en-US" dirty="0"/>
+              <a:t>Origin is lemon from center</a:t>
+            </a:r>
+          </a:p>
+        </p:txBody>
+      </p:sp>
+    </p:spTree>
+    <p:extLst>
+      <p:ext uri="{BB962C8B-B14F-4D97-AF65-F5344CB8AC3E}">
+        <p14:creationId xmlns:p14="http://schemas.microsoft.com/office/powerpoint/2010/main" val="1730823504"/>
+      </p:ext>
+    </p:extLst>
+  </p:cSld>
+  <p:clrMapOvr>
+    <a:masterClrMapping/>
+  </p:clrMapOvr>
+</p:sld>
+</file>
+
+<file path=ppt/slides/slide19.xml><?xml version="1.0" encoding="utf-8"?>
+<p:sld xmlns:a="http://schemas.openxmlformats.org/drawingml/2006/main" xmlns:r="http://schemas.openxmlformats.org/officeDocument/2006/relationships" xmlns:p="http://schemas.openxmlformats.org/presentationml/2006/main">
+  <p:cSld>
+    <p:spTree>
+      <p:nvGrpSpPr>
+        <p:cNvPr id="1" name=""/>
+        <p:cNvGrpSpPr/>
+        <p:nvPr/>
+      </p:nvGrpSpPr>
+      <p:grpSpPr>
+        <a:xfrm>
+          <a:off x="0" y="0"/>
+          <a:ext cx="0" cy="0"/>
+          <a:chOff x="0" y="0"/>
+          <a:chExt cx="0" cy="0"/>
+        </a:xfrm>
+      </p:grpSpPr>
+      <p:sp>
+        <p:nvSpPr>
+          <p:cNvPr id="2" name="Title 1">
+            <a:extLst>
+              <a:ext uri="{FF2B5EF4-FFF2-40B4-BE49-F238E27FC236}">
+                <a16:creationId xmlns:a16="http://schemas.microsoft.com/office/drawing/2014/main" id="{03EC0D5C-540B-46C6-B3A4-C11BCF52804B}"/>
+              </a:ext>
+            </a:extLst>
+          </p:cNvPr>
+          <p:cNvSpPr>
+            <a:spLocks noGrp="1"/>
+          </p:cNvSpPr>
+          <p:nvPr>
+            <p:ph type="title"/>
+          </p:nvPr>
+        </p:nvSpPr>
+        <p:spPr>
+          <a:xfrm>
+            <a:off x="1356360" y="191725"/>
+            <a:ext cx="10515600" cy="1325563"/>
+          </a:xfrm>
+        </p:spPr>
+        <p:txBody>
+          <a:bodyPr/>
+          <a:lstStyle/>
+          <a:p>
+            <a:r>
+              <a:rPr lang="en-US" dirty="0"/>
+              <a:t>SVM and Kernel Trick</a:t>
+            </a:r>
+          </a:p>
+        </p:txBody>
+      </p:sp>
+      <p:sp>
+        <p:nvSpPr>
+          <p:cNvPr id="3" name="Content Placeholder 2">
+            <a:extLst>
+              <a:ext uri="{FF2B5EF4-FFF2-40B4-BE49-F238E27FC236}">
+                <a16:creationId xmlns:a16="http://schemas.microsoft.com/office/drawing/2014/main" id="{C74754FC-057D-429B-8CD9-AC1BE7A832E9}"/>
+              </a:ext>
+            </a:extLst>
+          </p:cNvPr>
+          <p:cNvSpPr>
+            <a:spLocks noGrp="1"/>
+          </p:cNvSpPr>
+          <p:nvPr>
+            <p:ph idx="1"/>
+          </p:nvPr>
+        </p:nvSpPr>
+        <p:spPr>
+          <a:xfrm>
+            <a:off x="431250" y="1362920"/>
+            <a:ext cx="11617139" cy="5235588"/>
+          </a:xfrm>
+        </p:spPr>
+        <p:txBody>
+          <a:bodyPr>
+            <a:normAutofit/>
+          </a:bodyPr>
+          <a:lstStyle/>
+          <a:p>
+            <a:r>
+              <a:rPr lang="en-US" sz="2400" dirty="0"/>
+              <a:t>Few types of kernels:</a:t>
+            </a:r>
+          </a:p>
+          <a:p>
+            <a:pPr lvl="1"/>
+            <a:r>
+              <a:rPr lang="en-US" sz="2000" dirty="0"/>
+              <a:t>Polynomial kernel </a:t>
+            </a:r>
+          </a:p>
+          <a:p>
+            <a:pPr lvl="2"/>
+            <a:r>
+              <a:rPr lang="en-US" sz="1600" dirty="0"/>
+              <a:t>Used for image processing</a:t>
+            </a:r>
+          </a:p>
+          <a:p>
+            <a:pPr lvl="2"/>
+            <a:r>
+              <a:rPr lang="en-US" sz="1600" dirty="0"/>
+              <a:t>d is degree of polynomial</a:t>
+            </a:r>
+          </a:p>
+          <a:p>
+            <a:pPr lvl="1"/>
+            <a:r>
+              <a:rPr lang="en-US" sz="2000" dirty="0"/>
+              <a:t>Gaussian kernel</a:t>
+            </a:r>
+          </a:p>
+          <a:p>
+            <a:pPr lvl="2"/>
+            <a:r>
+              <a:rPr lang="en-US" sz="1600" dirty="0"/>
+              <a:t>General purpose kernel</a:t>
+            </a:r>
+          </a:p>
+          <a:p>
+            <a:pPr lvl="1"/>
+            <a:endParaRPr lang="en-US" sz="2000" dirty="0"/>
+          </a:p>
+          <a:p>
+            <a:pPr lvl="1"/>
+            <a:r>
+              <a:rPr lang="en-US" sz="2000" dirty="0"/>
+              <a:t>Gaussian Radial Basis Function (RBF) </a:t>
+            </a:r>
+          </a:p>
+          <a:p>
+            <a:pPr lvl="2"/>
+            <a:r>
+              <a:rPr lang="en-US" sz="1600" dirty="0"/>
+              <a:t>General purpose kernel</a:t>
+            </a:r>
+          </a:p>
+          <a:p>
+            <a:pPr lvl="1"/>
+            <a:endParaRPr lang="en-US" sz="2000" dirty="0"/>
+          </a:p>
+          <a:p>
+            <a:r>
+              <a:rPr lang="en-US" sz="2000" dirty="0"/>
+              <a:t>Some SVM links for reference:</a:t>
+            </a:r>
+          </a:p>
+          <a:p>
+            <a:r>
+              <a:rPr lang="en-US" sz="2000" dirty="0">
+                <a:hlinkClick r:id="rId2"/>
+              </a:rPr>
+              <a:t>https://towardsdatascience.com/svm-and-kernel-svm-fed02bef1200</a:t>
+            </a:r>
+            <a:endParaRPr lang="en-US" sz="2000" dirty="0"/>
+          </a:p>
+          <a:p>
+            <a:r>
+              <a:rPr lang="en-US" sz="2000" dirty="0">
+                <a:hlinkClick r:id="rId3"/>
+              </a:rPr>
+              <a:t>https://data-flair.training/blogs/svm-kernel-functions/</a:t>
+            </a:r>
+            <a:endParaRPr lang="en-US" sz="2000" dirty="0"/>
+          </a:p>
+          <a:p>
+            <a:r>
+              <a:rPr lang="en-US" sz="2000" dirty="0">
+                <a:hlinkClick r:id="rId4"/>
+              </a:rPr>
+              <a:t>https://medium.com/axum-labs/logistic-regression-vs-support-vector-machines-svm-c335610a3d16</a:t>
+            </a:r>
+            <a:endParaRPr lang="en-US" sz="2000" dirty="0"/>
+          </a:p>
+          <a:p>
+            <a:pPr marL="0" indent="0">
+              <a:buNone/>
+            </a:pPr>
+            <a:endParaRPr lang="en-US" sz="2000" dirty="0"/>
+          </a:p>
+          <a:p>
+            <a:pPr marL="457200" lvl="1" indent="0">
+              <a:buNone/>
+            </a:pPr>
+            <a:endParaRPr lang="en-US" sz="2000" dirty="0"/>
+          </a:p>
+        </p:txBody>
+      </p:sp>
+      <p:pic>
+        <p:nvPicPr>
+          <p:cNvPr id="6" name="Picture 5">
+            <a:extLst>
+              <a:ext uri="{FF2B5EF4-FFF2-40B4-BE49-F238E27FC236}">
+                <a16:creationId xmlns:a16="http://schemas.microsoft.com/office/drawing/2014/main" id="{B8C05F40-DDEF-4E49-941D-B128C1D2C8B2}"/>
+              </a:ext>
+            </a:extLst>
+          </p:cNvPr>
+          <p:cNvPicPr>
+            <a:picLocks noChangeAspect="1"/>
+          </p:cNvPicPr>
+          <p:nvPr/>
+        </p:nvPicPr>
+        <p:blipFill>
+          <a:blip r:embed="rId5"/>
+          <a:stretch>
+            <a:fillRect/>
+          </a:stretch>
+        </p:blipFill>
+        <p:spPr>
+          <a:xfrm>
+            <a:off x="4997400" y="1753203"/>
+            <a:ext cx="2000250" cy="685800"/>
+          </a:xfrm>
+          <a:prstGeom prst="rect">
+            <a:avLst/>
+          </a:prstGeom>
+        </p:spPr>
+      </p:pic>
+      <p:pic>
+        <p:nvPicPr>
+          <p:cNvPr id="7" name="Picture 6">
+            <a:extLst>
+              <a:ext uri="{FF2B5EF4-FFF2-40B4-BE49-F238E27FC236}">
+                <a16:creationId xmlns:a16="http://schemas.microsoft.com/office/drawing/2014/main" id="{11189698-68EA-45A8-9967-2A04003CCCF4}"/>
+              </a:ext>
+            </a:extLst>
+          </p:cNvPr>
+          <p:cNvPicPr>
+            <a:picLocks noChangeAspect="1"/>
+          </p:cNvPicPr>
+          <p:nvPr/>
+        </p:nvPicPr>
+        <p:blipFill>
+          <a:blip r:embed="rId6"/>
+          <a:stretch>
+            <a:fillRect/>
+          </a:stretch>
+        </p:blipFill>
+        <p:spPr>
+          <a:xfrm>
+            <a:off x="5028566" y="2552699"/>
+            <a:ext cx="2000250" cy="825215"/>
+          </a:xfrm>
+          <a:prstGeom prst="rect">
+            <a:avLst/>
+          </a:prstGeom>
+        </p:spPr>
+      </p:pic>
+      <p:pic>
+        <p:nvPicPr>
+          <p:cNvPr id="8" name="Picture 7">
+            <a:extLst>
+              <a:ext uri="{FF2B5EF4-FFF2-40B4-BE49-F238E27FC236}">
+                <a16:creationId xmlns:a16="http://schemas.microsoft.com/office/drawing/2014/main" id="{BDEA26B0-9DCF-40E0-8F2A-AA59BB567CE1}"/>
+              </a:ext>
+            </a:extLst>
+          </p:cNvPr>
+          <p:cNvPicPr>
+            <a:picLocks noChangeAspect="1"/>
+          </p:cNvPicPr>
+          <p:nvPr/>
+        </p:nvPicPr>
+        <p:blipFill>
+          <a:blip r:embed="rId7"/>
+          <a:stretch>
+            <a:fillRect/>
+          </a:stretch>
+        </p:blipFill>
+        <p:spPr>
+          <a:xfrm>
+            <a:off x="5028566" y="3683533"/>
+            <a:ext cx="2495550" cy="581025"/>
+          </a:xfrm>
+          <a:prstGeom prst="rect">
+            <a:avLst/>
+          </a:prstGeom>
+        </p:spPr>
+      </p:pic>
+    </p:spTree>
+    <p:extLst>
+      <p:ext uri="{BB962C8B-B14F-4D97-AF65-F5344CB8AC3E}">
+        <p14:creationId xmlns:p14="http://schemas.microsoft.com/office/powerpoint/2010/main" val="1397525043"/>
+      </p:ext>
+    </p:extLst>
+  </p:cSld>
+  <p:clrMapOvr>
+    <a:masterClrMapping/>
+  </p:clrMapOvr>
+</p:sld>
+</file>
+
 <file path=ppt/slides/slide2.xml><?xml version="1.0" encoding="utf-8"?>
 <p:sld xmlns:a="http://schemas.openxmlformats.org/drawingml/2006/main" xmlns:r="http://schemas.openxmlformats.org/officeDocument/2006/relationships" xmlns:p="http://schemas.openxmlformats.org/presentationml/2006/main">
   <p:cSld>
@@ -8128,6 +9327,1249 @@
         </p:txBody>
       </p:sp>
     </p:spTree>
+  </p:cSld>
+  <p:clrMapOvr>
+    <a:masterClrMapping/>
+  </p:clrMapOvr>
+</p:sld>
+</file>
+
+<file path=ppt/slides/slide20.xml><?xml version="1.0" encoding="utf-8"?>
+<p:sld xmlns:a="http://schemas.openxmlformats.org/drawingml/2006/main" xmlns:r="http://schemas.openxmlformats.org/officeDocument/2006/relationships" xmlns:p="http://schemas.openxmlformats.org/presentationml/2006/main">
+  <p:cSld>
+    <p:spTree>
+      <p:nvGrpSpPr>
+        <p:cNvPr id="1" name=""/>
+        <p:cNvGrpSpPr/>
+        <p:nvPr/>
+      </p:nvGrpSpPr>
+      <p:grpSpPr>
+        <a:xfrm>
+          <a:off x="0" y="0"/>
+          <a:ext cx="0" cy="0"/>
+          <a:chOff x="0" y="0"/>
+          <a:chExt cx="0" cy="0"/>
+        </a:xfrm>
+      </p:grpSpPr>
+      <p:sp>
+        <p:nvSpPr>
+          <p:cNvPr id="2" name="Title 1">
+            <a:extLst>
+              <a:ext uri="{FF2B5EF4-FFF2-40B4-BE49-F238E27FC236}">
+                <a16:creationId xmlns:a16="http://schemas.microsoft.com/office/drawing/2014/main" id="{03EC0D5C-540B-46C6-B3A4-C11BCF52804B}"/>
+              </a:ext>
+            </a:extLst>
+          </p:cNvPr>
+          <p:cNvSpPr>
+            <a:spLocks noGrp="1"/>
+          </p:cNvSpPr>
+          <p:nvPr>
+            <p:ph type="title"/>
+          </p:nvPr>
+        </p:nvSpPr>
+        <p:spPr/>
+        <p:txBody>
+          <a:bodyPr/>
+          <a:lstStyle/>
+          <a:p>
+            <a:r>
+              <a:rPr lang="en-US" dirty="0"/>
+              <a:t>Decision Trees and Random Forests</a:t>
+            </a:r>
+          </a:p>
+        </p:txBody>
+      </p:sp>
+      <p:sp>
+        <p:nvSpPr>
+          <p:cNvPr id="3" name="Content Placeholder 2">
+            <a:extLst>
+              <a:ext uri="{FF2B5EF4-FFF2-40B4-BE49-F238E27FC236}">
+                <a16:creationId xmlns:a16="http://schemas.microsoft.com/office/drawing/2014/main" id="{C74754FC-057D-429B-8CD9-AC1BE7A832E9}"/>
+              </a:ext>
+            </a:extLst>
+          </p:cNvPr>
+          <p:cNvSpPr>
+            <a:spLocks noGrp="1"/>
+          </p:cNvSpPr>
+          <p:nvPr>
+            <p:ph idx="1"/>
+          </p:nvPr>
+        </p:nvSpPr>
+        <p:spPr>
+          <a:xfrm>
+            <a:off x="843280" y="1825625"/>
+            <a:ext cx="5252720" cy="4351338"/>
+          </a:xfrm>
+        </p:spPr>
+        <p:txBody>
+          <a:bodyPr/>
+          <a:lstStyle/>
+          <a:p>
+            <a:r>
+              <a:rPr lang="en-US" dirty="0"/>
+              <a:t>Random forests are an example of an ensemble method</a:t>
+            </a:r>
+          </a:p>
+          <a:p>
+            <a:r>
+              <a:rPr lang="en-US" dirty="0"/>
+              <a:t>Relies on aggregating the results of an ensemble of simple estimators</a:t>
+            </a:r>
+          </a:p>
+          <a:p>
+            <a:r>
+              <a:rPr lang="en-US" dirty="0"/>
+              <a:t>A majority vote among a number of estimators can end up being better than an individual estimator</a:t>
+            </a:r>
+          </a:p>
+          <a:p>
+            <a:endParaRPr lang="en-US" dirty="0"/>
+          </a:p>
+        </p:txBody>
+      </p:sp>
+      <p:pic>
+        <p:nvPicPr>
+          <p:cNvPr id="5" name="Picture 4" descr="A screenshot of a cell phone&#10;&#10;Description automatically generated">
+            <a:extLst>
+              <a:ext uri="{FF2B5EF4-FFF2-40B4-BE49-F238E27FC236}">
+                <a16:creationId xmlns:a16="http://schemas.microsoft.com/office/drawing/2014/main" id="{D4581ACB-09CB-4EC0-9EE3-D6CB4A72502E}"/>
+              </a:ext>
+            </a:extLst>
+          </p:cNvPr>
+          <p:cNvPicPr>
+            <a:picLocks noChangeAspect="1"/>
+          </p:cNvPicPr>
+          <p:nvPr/>
+        </p:nvPicPr>
+        <p:blipFill>
+          <a:blip r:embed="rId2">
+            <a:extLst>
+              <a:ext uri="{28A0092B-C50C-407E-A947-70E740481C1C}">
+                <a14:useLocalDpi xmlns:a14="http://schemas.microsoft.com/office/drawing/2010/main" val="0"/>
+              </a:ext>
+            </a:extLst>
+          </a:blip>
+          <a:stretch>
+            <a:fillRect/>
+          </a:stretch>
+        </p:blipFill>
+        <p:spPr>
+          <a:xfrm>
+            <a:off x="6942078" y="1666828"/>
+            <a:ext cx="4590389" cy="4668932"/>
+          </a:xfrm>
+          <a:prstGeom prst="rect">
+            <a:avLst/>
+          </a:prstGeom>
+        </p:spPr>
+      </p:pic>
+    </p:spTree>
+    <p:extLst>
+      <p:ext uri="{BB962C8B-B14F-4D97-AF65-F5344CB8AC3E}">
+        <p14:creationId xmlns:p14="http://schemas.microsoft.com/office/powerpoint/2010/main" val="332736431"/>
+      </p:ext>
+    </p:extLst>
+  </p:cSld>
+  <p:clrMapOvr>
+    <a:masterClrMapping/>
+  </p:clrMapOvr>
+</p:sld>
+</file>
+
+<file path=ppt/slides/slide21.xml><?xml version="1.0" encoding="utf-8"?>
+<p:sld xmlns:a="http://schemas.openxmlformats.org/drawingml/2006/main" xmlns:r="http://schemas.openxmlformats.org/officeDocument/2006/relationships" xmlns:p="http://schemas.openxmlformats.org/presentationml/2006/main">
+  <p:cSld>
+    <p:spTree>
+      <p:nvGrpSpPr>
+        <p:cNvPr id="1" name=""/>
+        <p:cNvGrpSpPr/>
+        <p:nvPr/>
+      </p:nvGrpSpPr>
+      <p:grpSpPr>
+        <a:xfrm>
+          <a:off x="0" y="0"/>
+          <a:ext cx="0" cy="0"/>
+          <a:chOff x="0" y="0"/>
+          <a:chExt cx="0" cy="0"/>
+        </a:xfrm>
+      </p:grpSpPr>
+      <p:sp>
+        <p:nvSpPr>
+          <p:cNvPr id="2" name="Title 1">
+            <a:extLst>
+              <a:ext uri="{FF2B5EF4-FFF2-40B4-BE49-F238E27FC236}">
+                <a16:creationId xmlns:a16="http://schemas.microsoft.com/office/drawing/2014/main" id="{03EC0D5C-540B-46C6-B3A4-C11BCF52804B}"/>
+              </a:ext>
+            </a:extLst>
+          </p:cNvPr>
+          <p:cNvSpPr>
+            <a:spLocks noGrp="1"/>
+          </p:cNvSpPr>
+          <p:nvPr>
+            <p:ph type="title"/>
+          </p:nvPr>
+        </p:nvSpPr>
+        <p:spPr/>
+        <p:txBody>
+          <a:bodyPr/>
+          <a:lstStyle/>
+          <a:p>
+            <a:r>
+              <a:rPr lang="en-US" dirty="0"/>
+              <a:t>Random Forests: Ensuring that the Models Diversify Each Other</a:t>
+            </a:r>
+          </a:p>
+        </p:txBody>
+      </p:sp>
+      <p:sp>
+        <p:nvSpPr>
+          <p:cNvPr id="3" name="Content Placeholder 2">
+            <a:extLst>
+              <a:ext uri="{FF2B5EF4-FFF2-40B4-BE49-F238E27FC236}">
+                <a16:creationId xmlns:a16="http://schemas.microsoft.com/office/drawing/2014/main" id="{C74754FC-057D-429B-8CD9-AC1BE7A832E9}"/>
+              </a:ext>
+            </a:extLst>
+          </p:cNvPr>
+          <p:cNvSpPr>
+            <a:spLocks noGrp="1"/>
+          </p:cNvSpPr>
+          <p:nvPr>
+            <p:ph idx="1"/>
+          </p:nvPr>
+        </p:nvSpPr>
+        <p:spPr>
+          <a:xfrm>
+            <a:off x="166168" y="2005776"/>
+            <a:ext cx="6661390" cy="4351338"/>
+          </a:xfrm>
+        </p:spPr>
+        <p:txBody>
+          <a:bodyPr>
+            <a:normAutofit fontScale="92500" lnSpcReduction="20000"/>
+          </a:bodyPr>
+          <a:lstStyle/>
+          <a:p>
+            <a:r>
+              <a:rPr lang="en-US" dirty="0"/>
+              <a:t>Bagging</a:t>
+            </a:r>
+          </a:p>
+          <a:p>
+            <a:pPr lvl="1"/>
+            <a:r>
+              <a:rPr lang="en-US" dirty="0"/>
+              <a:t>Decision trees are sensitive to the training data</a:t>
+            </a:r>
+          </a:p>
+          <a:p>
+            <a:pPr lvl="1"/>
+            <a:r>
+              <a:rPr lang="en-US" dirty="0"/>
+              <a:t>Allow each individual tree to randomly sample from the dataset with replacement, resulting in different trees</a:t>
+            </a:r>
+          </a:p>
+          <a:p>
+            <a:pPr lvl="1"/>
+            <a:r>
+              <a:rPr lang="en-US" dirty="0"/>
+              <a:t>E.g. [1, 2, 3, 3, 5, 6], [1, 2, 3, 4, 6, 6]</a:t>
+            </a:r>
+          </a:p>
+          <a:p>
+            <a:r>
+              <a:rPr lang="en-US" dirty="0"/>
+              <a:t>Random subset of training points</a:t>
+            </a:r>
+          </a:p>
+          <a:p>
+            <a:r>
+              <a:rPr lang="en-US" dirty="0"/>
+              <a:t>Feature randomness</a:t>
+            </a:r>
+          </a:p>
+          <a:p>
+            <a:pPr lvl="1"/>
+            <a:r>
+              <a:rPr lang="en-US" dirty="0"/>
+              <a:t>Each tree in a random forest can pick only from a random subset of features</a:t>
+            </a:r>
+          </a:p>
+          <a:p>
+            <a:r>
+              <a:rPr lang="en-US" dirty="0"/>
+              <a:t>Further info</a:t>
+            </a:r>
+          </a:p>
+          <a:p>
+            <a:pPr lvl="1"/>
+            <a:r>
+              <a:rPr lang="en-US" dirty="0">
+                <a:hlinkClick r:id="rId2"/>
+              </a:rPr>
+              <a:t>https://towardsdatascience.com/understanding-random-forest-58381e0602d2</a:t>
+            </a:r>
+            <a:r>
+              <a:rPr lang="en-US" dirty="0"/>
+              <a:t> </a:t>
+            </a:r>
+          </a:p>
+        </p:txBody>
+      </p:sp>
+      <p:pic>
+        <p:nvPicPr>
+          <p:cNvPr id="6" name="Picture 5" descr="A screenshot of text&#10;&#10;Description automatically generated">
+            <a:extLst>
+              <a:ext uri="{FF2B5EF4-FFF2-40B4-BE49-F238E27FC236}">
+                <a16:creationId xmlns:a16="http://schemas.microsoft.com/office/drawing/2014/main" id="{205259E8-3D26-4543-BF24-C40886B5E26F}"/>
+              </a:ext>
+            </a:extLst>
+          </p:cNvPr>
+          <p:cNvPicPr>
+            <a:picLocks noChangeAspect="1"/>
+          </p:cNvPicPr>
+          <p:nvPr/>
+        </p:nvPicPr>
+        <p:blipFill>
+          <a:blip r:embed="rId3">
+            <a:extLst>
+              <a:ext uri="{28A0092B-C50C-407E-A947-70E740481C1C}">
+                <a14:useLocalDpi xmlns:a14="http://schemas.microsoft.com/office/drawing/2010/main" val="0"/>
+              </a:ext>
+            </a:extLst>
+          </a:blip>
+          <a:stretch>
+            <a:fillRect/>
+          </a:stretch>
+        </p:blipFill>
+        <p:spPr>
+          <a:xfrm>
+            <a:off x="6827558" y="2005776"/>
+            <a:ext cx="5094824" cy="3155504"/>
+          </a:xfrm>
+          <a:prstGeom prst="rect">
+            <a:avLst/>
+          </a:prstGeom>
+        </p:spPr>
+      </p:pic>
+    </p:spTree>
+    <p:extLst>
+      <p:ext uri="{BB962C8B-B14F-4D97-AF65-F5344CB8AC3E}">
+        <p14:creationId xmlns:p14="http://schemas.microsoft.com/office/powerpoint/2010/main" val="3704371913"/>
+      </p:ext>
+    </p:extLst>
+  </p:cSld>
+  <p:clrMapOvr>
+    <a:masterClrMapping/>
+  </p:clrMapOvr>
+</p:sld>
+</file>
+
+<file path=ppt/slides/slide22.xml><?xml version="1.0" encoding="utf-8"?>
+<p:sld xmlns:a="http://schemas.openxmlformats.org/drawingml/2006/main" xmlns:r="http://schemas.openxmlformats.org/officeDocument/2006/relationships" xmlns:p="http://schemas.openxmlformats.org/presentationml/2006/main">
+  <p:cSld>
+    <p:spTree>
+      <p:nvGrpSpPr>
+        <p:cNvPr id="1" name=""/>
+        <p:cNvGrpSpPr/>
+        <p:nvPr/>
+      </p:nvGrpSpPr>
+      <p:grpSpPr>
+        <a:xfrm>
+          <a:off x="0" y="0"/>
+          <a:ext cx="0" cy="0"/>
+          <a:chOff x="0" y="0"/>
+          <a:chExt cx="0" cy="0"/>
+        </a:xfrm>
+      </p:grpSpPr>
+      <p:sp>
+        <p:nvSpPr>
+          <p:cNvPr id="2" name="Title 1">
+            <a:extLst>
+              <a:ext uri="{FF2B5EF4-FFF2-40B4-BE49-F238E27FC236}">
+                <a16:creationId xmlns:a16="http://schemas.microsoft.com/office/drawing/2014/main" id="{3E9822CA-D327-4828-87C4-893393D8D346}"/>
+              </a:ext>
+            </a:extLst>
+          </p:cNvPr>
+          <p:cNvSpPr>
+            <a:spLocks noGrp="1"/>
+          </p:cNvSpPr>
+          <p:nvPr>
+            <p:ph type="title"/>
+          </p:nvPr>
+        </p:nvSpPr>
+        <p:spPr>
+          <a:xfrm>
+            <a:off x="838200" y="241557"/>
+            <a:ext cx="10515600" cy="1325563"/>
+          </a:xfrm>
+        </p:spPr>
+        <p:txBody>
+          <a:bodyPr/>
+          <a:lstStyle/>
+          <a:p>
+            <a:r>
+              <a:rPr lang="en-US" dirty="0"/>
+              <a:t>Principal Component Analysis (PCA)</a:t>
+            </a:r>
+          </a:p>
+        </p:txBody>
+      </p:sp>
+      <p:sp>
+        <p:nvSpPr>
+          <p:cNvPr id="3" name="Content Placeholder 2">
+            <a:extLst>
+              <a:ext uri="{FF2B5EF4-FFF2-40B4-BE49-F238E27FC236}">
+                <a16:creationId xmlns:a16="http://schemas.microsoft.com/office/drawing/2014/main" id="{9B378A13-2EC2-49B9-B515-6D269DDDB2F6}"/>
+              </a:ext>
+            </a:extLst>
+          </p:cNvPr>
+          <p:cNvSpPr>
+            <a:spLocks noGrp="1"/>
+          </p:cNvSpPr>
+          <p:nvPr>
+            <p:ph idx="1"/>
+          </p:nvPr>
+        </p:nvSpPr>
+        <p:spPr>
+          <a:xfrm>
+            <a:off x="755822" y="1342931"/>
+            <a:ext cx="10515600" cy="4351338"/>
+          </a:xfrm>
+        </p:spPr>
+        <p:txBody>
+          <a:bodyPr/>
+          <a:lstStyle/>
+          <a:p>
+            <a:r>
+              <a:rPr lang="en-US" dirty="0"/>
+              <a:t>Fast and flexible unsupervised method for dimensionality reduction in data</a:t>
+            </a:r>
+          </a:p>
+          <a:p>
+            <a:r>
+              <a:rPr lang="en-US" dirty="0"/>
+              <a:t>Fundamentally, a dimensionality reduction algorithm, but can also be used for visualization, noise filtering, feature extraction</a:t>
+            </a:r>
+          </a:p>
+          <a:p>
+            <a:r>
+              <a:rPr lang="en-US" dirty="0"/>
+              <a:t>Features with no variance vs features with high variance</a:t>
+            </a:r>
+          </a:p>
+          <a:p>
+            <a:r>
+              <a:rPr lang="en-US" dirty="0"/>
+              <a:t>Good model needs features with more variance</a:t>
+            </a:r>
+          </a:p>
+          <a:p>
+            <a:r>
+              <a:rPr lang="en-US" dirty="0"/>
+              <a:t>More variance creates uncertainty</a:t>
+            </a:r>
+          </a:p>
+        </p:txBody>
+      </p:sp>
+      <p:pic>
+        <p:nvPicPr>
+          <p:cNvPr id="6" name="Picture 5" descr="A screenshot of a social media post&#10;&#10;Description automatically generated">
+            <a:extLst>
+              <a:ext uri="{FF2B5EF4-FFF2-40B4-BE49-F238E27FC236}">
+                <a16:creationId xmlns:a16="http://schemas.microsoft.com/office/drawing/2014/main" id="{49038190-F6CE-4230-A71F-D145DCB567C0}"/>
+              </a:ext>
+            </a:extLst>
+          </p:cNvPr>
+          <p:cNvPicPr>
+            <a:picLocks noChangeAspect="1"/>
+          </p:cNvPicPr>
+          <p:nvPr/>
+        </p:nvPicPr>
+        <p:blipFill>
+          <a:blip r:embed="rId2">
+            <a:extLst>
+              <a:ext uri="{28A0092B-C50C-407E-A947-70E740481C1C}">
+                <a14:useLocalDpi xmlns:a14="http://schemas.microsoft.com/office/drawing/2010/main" val="0"/>
+              </a:ext>
+            </a:extLst>
+          </a:blip>
+          <a:stretch>
+            <a:fillRect/>
+          </a:stretch>
+        </p:blipFill>
+        <p:spPr>
+          <a:xfrm>
+            <a:off x="2407831" y="4637627"/>
+            <a:ext cx="3171158" cy="2113280"/>
+          </a:xfrm>
+          <a:prstGeom prst="rect">
+            <a:avLst/>
+          </a:prstGeom>
+        </p:spPr>
+      </p:pic>
+      <p:pic>
+        <p:nvPicPr>
+          <p:cNvPr id="8" name="Picture 7" descr="A screenshot of a cell phone&#10;&#10;Description automatically generated">
+            <a:extLst>
+              <a:ext uri="{FF2B5EF4-FFF2-40B4-BE49-F238E27FC236}">
+                <a16:creationId xmlns:a16="http://schemas.microsoft.com/office/drawing/2014/main" id="{79E69A97-BD4E-46C6-B9D8-6023FE28E5DC}"/>
+              </a:ext>
+            </a:extLst>
+          </p:cNvPr>
+          <p:cNvPicPr>
+            <a:picLocks noChangeAspect="1"/>
+          </p:cNvPicPr>
+          <p:nvPr/>
+        </p:nvPicPr>
+        <p:blipFill>
+          <a:blip r:embed="rId3">
+            <a:extLst>
+              <a:ext uri="{28A0092B-C50C-407E-A947-70E740481C1C}">
+                <a14:useLocalDpi xmlns:a14="http://schemas.microsoft.com/office/drawing/2010/main" val="0"/>
+              </a:ext>
+            </a:extLst>
+          </a:blip>
+          <a:stretch>
+            <a:fillRect/>
+          </a:stretch>
+        </p:blipFill>
+        <p:spPr>
+          <a:xfrm>
+            <a:off x="5752665" y="4637626"/>
+            <a:ext cx="3171160" cy="2113280"/>
+          </a:xfrm>
+          <a:prstGeom prst="rect">
+            <a:avLst/>
+          </a:prstGeom>
+        </p:spPr>
+      </p:pic>
+    </p:spTree>
+    <p:extLst>
+      <p:ext uri="{BB962C8B-B14F-4D97-AF65-F5344CB8AC3E}">
+        <p14:creationId xmlns:p14="http://schemas.microsoft.com/office/powerpoint/2010/main" val="2722879426"/>
+      </p:ext>
+    </p:extLst>
+  </p:cSld>
+  <p:clrMapOvr>
+    <a:masterClrMapping/>
+  </p:clrMapOvr>
+</p:sld>
+</file>
+
+<file path=ppt/slides/slide23.xml><?xml version="1.0" encoding="utf-8"?>
+<p:sld xmlns:a="http://schemas.openxmlformats.org/drawingml/2006/main" xmlns:r="http://schemas.openxmlformats.org/officeDocument/2006/relationships" xmlns:p="http://schemas.openxmlformats.org/presentationml/2006/main">
+  <p:cSld>
+    <p:spTree>
+      <p:nvGrpSpPr>
+        <p:cNvPr id="1" name=""/>
+        <p:cNvGrpSpPr/>
+        <p:nvPr/>
+      </p:nvGrpSpPr>
+      <p:grpSpPr>
+        <a:xfrm>
+          <a:off x="0" y="0"/>
+          <a:ext cx="0" cy="0"/>
+          <a:chOff x="0" y="0"/>
+          <a:chExt cx="0" cy="0"/>
+        </a:xfrm>
+      </p:grpSpPr>
+      <p:sp>
+        <p:nvSpPr>
+          <p:cNvPr id="2" name="Title 1">
+            <a:extLst>
+              <a:ext uri="{FF2B5EF4-FFF2-40B4-BE49-F238E27FC236}">
+                <a16:creationId xmlns:a16="http://schemas.microsoft.com/office/drawing/2014/main" id="{CCD3D613-1D5E-4E36-AD90-42A8937CDF0D}"/>
+              </a:ext>
+            </a:extLst>
+          </p:cNvPr>
+          <p:cNvSpPr>
+            <a:spLocks noGrp="1"/>
+          </p:cNvSpPr>
+          <p:nvPr>
+            <p:ph type="title"/>
+          </p:nvPr>
+        </p:nvSpPr>
+        <p:spPr/>
+        <p:txBody>
+          <a:bodyPr/>
+          <a:lstStyle/>
+          <a:p>
+            <a:r>
+              <a:rPr lang="en-US" dirty="0"/>
+              <a:t>Capturing Signal with Principal Components</a:t>
+            </a:r>
+          </a:p>
+        </p:txBody>
+      </p:sp>
+      <p:sp>
+        <p:nvSpPr>
+          <p:cNvPr id="3" name="Content Placeholder 2">
+            <a:extLst>
+              <a:ext uri="{FF2B5EF4-FFF2-40B4-BE49-F238E27FC236}">
+                <a16:creationId xmlns:a16="http://schemas.microsoft.com/office/drawing/2014/main" id="{002A5D3E-010F-494B-A808-D12E9507AA1D}"/>
+              </a:ext>
+            </a:extLst>
+          </p:cNvPr>
+          <p:cNvSpPr>
+            <a:spLocks noGrp="1"/>
+          </p:cNvSpPr>
+          <p:nvPr>
+            <p:ph idx="1"/>
+          </p:nvPr>
+        </p:nvSpPr>
+        <p:spPr/>
+        <p:txBody>
+          <a:bodyPr/>
+          <a:lstStyle/>
+          <a:p>
+            <a:r>
+              <a:rPr lang="en-US" dirty="0"/>
+              <a:t>Given data with 10,000 features and 5,000 observations is a terrible idea as it will result in massively overfit model</a:t>
+            </a:r>
+          </a:p>
+          <a:p>
+            <a:r>
+              <a:rPr lang="en-US" dirty="0"/>
+              <a:t>The ideal set of features should have following three properties:</a:t>
+            </a:r>
+          </a:p>
+          <a:p>
+            <a:pPr lvl="1"/>
+            <a:r>
+              <a:rPr lang="en-US" dirty="0"/>
+              <a:t>High variance (contain a lot of potential signal – useful information)</a:t>
+            </a:r>
+          </a:p>
+          <a:p>
+            <a:pPr lvl="1"/>
+            <a:r>
+              <a:rPr lang="en-US" dirty="0"/>
+              <a:t>Uncorrelated (Highly correlated features are less useful)</a:t>
+            </a:r>
+          </a:p>
+          <a:p>
+            <a:pPr lvl="1"/>
+            <a:r>
+              <a:rPr lang="en-US" dirty="0"/>
+              <a:t>Require low number of features </a:t>
+            </a:r>
+          </a:p>
+          <a:p>
+            <a:r>
+              <a:rPr lang="en-US" dirty="0"/>
+              <a:t>PCA creates a set of principal components that are rank ordered by variance, uncorrelated and low in number</a:t>
+            </a:r>
+          </a:p>
+          <a:p>
+            <a:r>
+              <a:rPr lang="en-US" dirty="0"/>
+              <a:t>PCA finds strongest underlying trend in the feature set</a:t>
+            </a:r>
+          </a:p>
+        </p:txBody>
+      </p:sp>
+    </p:spTree>
+    <p:extLst>
+      <p:ext uri="{BB962C8B-B14F-4D97-AF65-F5344CB8AC3E}">
+        <p14:creationId xmlns:p14="http://schemas.microsoft.com/office/powerpoint/2010/main" val="2019926385"/>
+      </p:ext>
+    </p:extLst>
+  </p:cSld>
+  <p:clrMapOvr>
+    <a:masterClrMapping/>
+  </p:clrMapOvr>
+</p:sld>
+</file>
+
+<file path=ppt/slides/slide24.xml><?xml version="1.0" encoding="utf-8"?>
+<p:sld xmlns:a="http://schemas.openxmlformats.org/drawingml/2006/main" xmlns:r="http://schemas.openxmlformats.org/officeDocument/2006/relationships" xmlns:p="http://schemas.openxmlformats.org/presentationml/2006/main">
+  <p:cSld>
+    <p:spTree>
+      <p:nvGrpSpPr>
+        <p:cNvPr id="1" name=""/>
+        <p:cNvGrpSpPr/>
+        <p:nvPr/>
+      </p:nvGrpSpPr>
+      <p:grpSpPr>
+        <a:xfrm>
+          <a:off x="0" y="0"/>
+          <a:ext cx="0" cy="0"/>
+          <a:chOff x="0" y="0"/>
+          <a:chExt cx="0" cy="0"/>
+        </a:xfrm>
+      </p:grpSpPr>
+      <p:sp>
+        <p:nvSpPr>
+          <p:cNvPr id="2" name="Title 1">
+            <a:extLst>
+              <a:ext uri="{FF2B5EF4-FFF2-40B4-BE49-F238E27FC236}">
+                <a16:creationId xmlns:a16="http://schemas.microsoft.com/office/drawing/2014/main" id="{CCD3D613-1D5E-4E36-AD90-42A8937CDF0D}"/>
+              </a:ext>
+            </a:extLst>
+          </p:cNvPr>
+          <p:cNvSpPr>
+            <a:spLocks noGrp="1"/>
+          </p:cNvSpPr>
+          <p:nvPr>
+            <p:ph type="title"/>
+          </p:nvPr>
+        </p:nvSpPr>
+        <p:spPr/>
+        <p:txBody>
+          <a:bodyPr/>
+          <a:lstStyle/>
+          <a:p>
+            <a:r>
+              <a:rPr lang="en-US" dirty="0"/>
+              <a:t>Capturing Signal with Principal Components</a:t>
+            </a:r>
+          </a:p>
+        </p:txBody>
+      </p:sp>
+      <p:sp>
+        <p:nvSpPr>
+          <p:cNvPr id="3" name="Content Placeholder 2">
+            <a:extLst>
+              <a:ext uri="{FF2B5EF4-FFF2-40B4-BE49-F238E27FC236}">
+                <a16:creationId xmlns:a16="http://schemas.microsoft.com/office/drawing/2014/main" id="{002A5D3E-010F-494B-A808-D12E9507AA1D}"/>
+              </a:ext>
+            </a:extLst>
+          </p:cNvPr>
+          <p:cNvSpPr>
+            <a:spLocks noGrp="1"/>
+          </p:cNvSpPr>
+          <p:nvPr>
+            <p:ph idx="1"/>
+          </p:nvPr>
+        </p:nvSpPr>
+        <p:spPr>
+          <a:xfrm>
+            <a:off x="237643" y="1856105"/>
+            <a:ext cx="6262683" cy="4351338"/>
+          </a:xfrm>
+        </p:spPr>
+        <p:txBody>
+          <a:bodyPr>
+            <a:normAutofit fontScale="92500" lnSpcReduction="10000"/>
+          </a:bodyPr>
+          <a:lstStyle/>
+          <a:p>
+            <a:r>
+              <a:rPr lang="en-US" sz="2400" dirty="0"/>
+              <a:t>Data is black dots</a:t>
+            </a:r>
+          </a:p>
+          <a:p>
+            <a:r>
+              <a:rPr lang="en-US" sz="2400" dirty="0"/>
+              <a:t>Strongest trend is the line of best fit</a:t>
+            </a:r>
+          </a:p>
+          <a:p>
+            <a:r>
+              <a:rPr lang="en-US" sz="2400" dirty="0"/>
+              <a:t>Blue line is component 1 as it has the highest variance (compared to red)</a:t>
+            </a:r>
+          </a:p>
+          <a:p>
+            <a:r>
+              <a:rPr lang="en-US" sz="2400" dirty="0"/>
+              <a:t>Each principal component is a linear combination of individual features (similar to linear regression)</a:t>
+            </a:r>
+          </a:p>
+          <a:p>
+            <a:r>
+              <a:rPr lang="en-US" sz="2400" dirty="0"/>
+              <a:t>Component 2 should be uncorrelated to component 1 (orthogonal)</a:t>
+            </a:r>
+          </a:p>
+          <a:p>
+            <a:r>
+              <a:rPr lang="en-US" sz="2400" dirty="0"/>
+              <a:t>In this case, it is red line!</a:t>
+            </a:r>
+          </a:p>
+          <a:p>
+            <a:r>
+              <a:rPr lang="en-US" sz="2400" dirty="0"/>
+              <a:t>More information: </a:t>
+            </a:r>
+            <a:r>
+              <a:rPr lang="en-US" sz="2400" dirty="0">
+                <a:hlinkClick r:id="rId2"/>
+              </a:rPr>
+              <a:t>https://towardsdatascience.com/understanding-pca-fae3e243731d</a:t>
+            </a:r>
+            <a:r>
+              <a:rPr lang="en-US" sz="2400" dirty="0"/>
+              <a:t> </a:t>
+            </a:r>
+          </a:p>
+        </p:txBody>
+      </p:sp>
+      <p:pic>
+        <p:nvPicPr>
+          <p:cNvPr id="5" name="Picture 4" descr="A close up of a map&#10;&#10;Description automatically generated">
+            <a:extLst>
+              <a:ext uri="{FF2B5EF4-FFF2-40B4-BE49-F238E27FC236}">
+                <a16:creationId xmlns:a16="http://schemas.microsoft.com/office/drawing/2014/main" id="{2094C59E-6AB3-4090-B238-963656D50AF6}"/>
+              </a:ext>
+            </a:extLst>
+          </p:cNvPr>
+          <p:cNvPicPr>
+            <a:picLocks noChangeAspect="1"/>
+          </p:cNvPicPr>
+          <p:nvPr/>
+        </p:nvPicPr>
+        <p:blipFill>
+          <a:blip r:embed="rId3">
+            <a:extLst>
+              <a:ext uri="{28A0092B-C50C-407E-A947-70E740481C1C}">
+                <a14:useLocalDpi xmlns:a14="http://schemas.microsoft.com/office/drawing/2010/main" val="0"/>
+              </a:ext>
+            </a:extLst>
+          </a:blip>
+          <a:stretch>
+            <a:fillRect/>
+          </a:stretch>
+        </p:blipFill>
+        <p:spPr>
+          <a:xfrm>
+            <a:off x="6500326" y="1981199"/>
+            <a:ext cx="5311793" cy="3677921"/>
+          </a:xfrm>
+          <a:prstGeom prst="rect">
+            <a:avLst/>
+          </a:prstGeom>
+        </p:spPr>
+      </p:pic>
+    </p:spTree>
+    <p:extLst>
+      <p:ext uri="{BB962C8B-B14F-4D97-AF65-F5344CB8AC3E}">
+        <p14:creationId xmlns:p14="http://schemas.microsoft.com/office/powerpoint/2010/main" val="1528705122"/>
+      </p:ext>
+    </p:extLst>
+  </p:cSld>
+  <p:clrMapOvr>
+    <a:masterClrMapping/>
+  </p:clrMapOvr>
+</p:sld>
+</file>
+
+<file path=ppt/slides/slide25.xml><?xml version="1.0" encoding="utf-8"?>
+<p:sld xmlns:a="http://schemas.openxmlformats.org/drawingml/2006/main" xmlns:r="http://schemas.openxmlformats.org/officeDocument/2006/relationships" xmlns:p="http://schemas.openxmlformats.org/presentationml/2006/main">
+  <p:cSld>
+    <p:spTree>
+      <p:nvGrpSpPr>
+        <p:cNvPr id="1" name=""/>
+        <p:cNvGrpSpPr/>
+        <p:nvPr/>
+      </p:nvGrpSpPr>
+      <p:grpSpPr>
+        <a:xfrm>
+          <a:off x="0" y="0"/>
+          <a:ext cx="0" cy="0"/>
+          <a:chOff x="0" y="0"/>
+          <a:chExt cx="0" cy="0"/>
+        </a:xfrm>
+      </p:grpSpPr>
+      <p:sp>
+        <p:nvSpPr>
+          <p:cNvPr id="2" name="Title 1">
+            <a:extLst>
+              <a:ext uri="{FF2B5EF4-FFF2-40B4-BE49-F238E27FC236}">
+                <a16:creationId xmlns:a16="http://schemas.microsoft.com/office/drawing/2014/main" id="{20406EFE-DEE6-408F-8C77-592992BE5700}"/>
+              </a:ext>
+            </a:extLst>
+          </p:cNvPr>
+          <p:cNvSpPr>
+            <a:spLocks noGrp="1"/>
+          </p:cNvSpPr>
+          <p:nvPr>
+            <p:ph type="title"/>
+          </p:nvPr>
+        </p:nvSpPr>
+        <p:spPr/>
+        <p:txBody>
+          <a:bodyPr/>
+          <a:lstStyle/>
+          <a:p>
+            <a:r>
+              <a:rPr lang="en-US" dirty="0"/>
+              <a:t>K-Means Clustering: Expectation - Maximization</a:t>
+            </a:r>
+          </a:p>
+        </p:txBody>
+      </p:sp>
+      <p:sp>
+        <p:nvSpPr>
+          <p:cNvPr id="3" name="Content Placeholder 2">
+            <a:extLst>
+              <a:ext uri="{FF2B5EF4-FFF2-40B4-BE49-F238E27FC236}">
+                <a16:creationId xmlns:a16="http://schemas.microsoft.com/office/drawing/2014/main" id="{A6392035-9A97-46D0-9654-CEA178E3C5D5}"/>
+              </a:ext>
+            </a:extLst>
+          </p:cNvPr>
+          <p:cNvSpPr>
+            <a:spLocks noGrp="1"/>
+          </p:cNvSpPr>
+          <p:nvPr>
+            <p:ph idx="1"/>
+          </p:nvPr>
+        </p:nvSpPr>
+        <p:spPr/>
+        <p:txBody>
+          <a:bodyPr/>
+          <a:lstStyle/>
+          <a:p>
+            <a:r>
+              <a:rPr lang="en-US" dirty="0"/>
+              <a:t>The expectation–maximization approach here consists of the following procedure:</a:t>
+            </a:r>
+          </a:p>
+          <a:p>
+            <a:pPr marL="914400" lvl="1" indent="-457200">
+              <a:buFont typeface="+mj-lt"/>
+              <a:buAutoNum type="arabicPeriod"/>
+            </a:pPr>
+            <a:r>
+              <a:rPr lang="en-US" dirty="0"/>
+              <a:t>Guess some cluster centers</a:t>
+            </a:r>
+          </a:p>
+          <a:p>
+            <a:pPr marL="914400" lvl="1" indent="-457200">
+              <a:buFont typeface="+mj-lt"/>
+              <a:buAutoNum type="arabicPeriod"/>
+            </a:pPr>
+            <a:r>
+              <a:rPr lang="en-US" dirty="0"/>
+              <a:t>Repeat until converged</a:t>
+            </a:r>
+          </a:p>
+          <a:p>
+            <a:pPr marL="1428750" lvl="2" indent="-514350">
+              <a:buFont typeface="+mj-lt"/>
+              <a:buAutoNum type="romanLcPeriod"/>
+            </a:pPr>
+            <a:r>
+              <a:rPr lang="en-US" dirty="0"/>
+              <a:t>E-Step: assign points to the nearest cluster center</a:t>
+            </a:r>
+          </a:p>
+          <a:p>
+            <a:pPr marL="1428750" lvl="2" indent="-514350">
+              <a:buFont typeface="+mj-lt"/>
+              <a:buAutoNum type="romanLcPeriod"/>
+            </a:pPr>
+            <a:r>
+              <a:rPr lang="en-US" dirty="0"/>
+              <a:t>M-Step: set the cluster centers to the mean</a:t>
+            </a:r>
+          </a:p>
+        </p:txBody>
+      </p:sp>
+      <p:pic>
+        <p:nvPicPr>
+          <p:cNvPr id="5122" name="Picture 2" descr="(run code in Appendix to generate image)">
+            <a:extLst>
+              <a:ext uri="{FF2B5EF4-FFF2-40B4-BE49-F238E27FC236}">
+                <a16:creationId xmlns:a16="http://schemas.microsoft.com/office/drawing/2014/main" id="{E96FB8A9-FAB9-441B-9355-6A9A3718B009}"/>
+              </a:ext>
+            </a:extLst>
+          </p:cNvPr>
+          <p:cNvPicPr>
+            <a:picLocks noChangeAspect="1" noChangeArrowheads="1"/>
+          </p:cNvPicPr>
+          <p:nvPr/>
+        </p:nvPicPr>
+        <p:blipFill>
+          <a:blip r:embed="rId2">
+            <a:extLst>
+              <a:ext uri="{28A0092B-C50C-407E-A947-70E740481C1C}">
+                <a14:useLocalDpi xmlns:a14="http://schemas.microsoft.com/office/drawing/2010/main" val="0"/>
+              </a:ext>
+            </a:extLst>
+          </a:blip>
+          <a:srcRect/>
+          <a:stretch>
+            <a:fillRect/>
+          </a:stretch>
+        </p:blipFill>
+        <p:spPr bwMode="auto">
+          <a:xfrm>
+            <a:off x="944880" y="4258174"/>
+            <a:ext cx="9025444" cy="2406785"/>
+          </a:xfrm>
+          <a:prstGeom prst="rect">
+            <a:avLst/>
+          </a:prstGeom>
+          <a:noFill/>
+          <a:extLst>
+            <a:ext uri="{909E8E84-426E-40DD-AFC4-6F175D3DCCD1}">
+              <a14:hiddenFill xmlns:a14="http://schemas.microsoft.com/office/drawing/2010/main">
+                <a:solidFill>
+                  <a:srgbClr val="FFFFFF"/>
+                </a:solidFill>
+              </a14:hiddenFill>
+            </a:ext>
+          </a:extLst>
+        </p:spPr>
+      </p:pic>
+    </p:spTree>
+    <p:extLst>
+      <p:ext uri="{BB962C8B-B14F-4D97-AF65-F5344CB8AC3E}">
+        <p14:creationId xmlns:p14="http://schemas.microsoft.com/office/powerpoint/2010/main" val="2421222692"/>
+      </p:ext>
+    </p:extLst>
+  </p:cSld>
+  <p:clrMapOvr>
+    <a:masterClrMapping/>
+  </p:clrMapOvr>
+</p:sld>
+</file>
+
+<file path=ppt/slides/slide26.xml><?xml version="1.0" encoding="utf-8"?>
+<p:sld xmlns:a="http://schemas.openxmlformats.org/drawingml/2006/main" xmlns:r="http://schemas.openxmlformats.org/officeDocument/2006/relationships" xmlns:p="http://schemas.openxmlformats.org/presentationml/2006/main">
+  <p:cSld>
+    <p:spTree>
+      <p:nvGrpSpPr>
+        <p:cNvPr id="1" name=""/>
+        <p:cNvGrpSpPr/>
+        <p:nvPr/>
+      </p:nvGrpSpPr>
+      <p:grpSpPr>
+        <a:xfrm>
+          <a:off x="0" y="0"/>
+          <a:ext cx="0" cy="0"/>
+          <a:chOff x="0" y="0"/>
+          <a:chExt cx="0" cy="0"/>
+        </a:xfrm>
+      </p:grpSpPr>
+      <p:sp>
+        <p:nvSpPr>
+          <p:cNvPr id="2" name="Title 1">
+            <a:extLst>
+              <a:ext uri="{FF2B5EF4-FFF2-40B4-BE49-F238E27FC236}">
+                <a16:creationId xmlns:a16="http://schemas.microsoft.com/office/drawing/2014/main" id="{20406EFE-DEE6-408F-8C77-592992BE5700}"/>
+              </a:ext>
+            </a:extLst>
+          </p:cNvPr>
+          <p:cNvSpPr>
+            <a:spLocks noGrp="1"/>
+          </p:cNvSpPr>
+          <p:nvPr>
+            <p:ph type="title"/>
+          </p:nvPr>
+        </p:nvSpPr>
+        <p:spPr>
+          <a:xfrm>
+            <a:off x="838200" y="116076"/>
+            <a:ext cx="10515600" cy="1325563"/>
+          </a:xfrm>
+        </p:spPr>
+        <p:txBody>
+          <a:bodyPr/>
+          <a:lstStyle/>
+          <a:p>
+            <a:r>
+              <a:rPr lang="en-US" dirty="0"/>
+              <a:t>K-Means Clustering: Spectral Clustering</a:t>
+            </a:r>
+          </a:p>
+        </p:txBody>
+      </p:sp>
+      <p:sp>
+        <p:nvSpPr>
+          <p:cNvPr id="3" name="Content Placeholder 2">
+            <a:extLst>
+              <a:ext uri="{FF2B5EF4-FFF2-40B4-BE49-F238E27FC236}">
+                <a16:creationId xmlns:a16="http://schemas.microsoft.com/office/drawing/2014/main" id="{A6392035-9A97-46D0-9654-CEA178E3C5D5}"/>
+              </a:ext>
+            </a:extLst>
+          </p:cNvPr>
+          <p:cNvSpPr>
+            <a:spLocks noGrp="1"/>
+          </p:cNvSpPr>
+          <p:nvPr>
+            <p:ph idx="1"/>
+          </p:nvPr>
+        </p:nvSpPr>
+        <p:spPr>
+          <a:xfrm>
+            <a:off x="838200" y="1425815"/>
+            <a:ext cx="10895921" cy="4351338"/>
+          </a:xfrm>
+        </p:spPr>
+        <p:txBody>
+          <a:bodyPr>
+            <a:normAutofit/>
+          </a:bodyPr>
+          <a:lstStyle/>
+          <a:p>
+            <a:r>
+              <a:rPr lang="en-US" sz="2400" dirty="0"/>
+              <a:t>K-Means clustering is limited to linear cluster boundaries </a:t>
+            </a:r>
+          </a:p>
+          <a:p>
+            <a:r>
+              <a:rPr lang="en-US" sz="2400" dirty="0"/>
+              <a:t>K-Means fails to find clusters with complicated geometries</a:t>
+            </a:r>
+          </a:p>
+          <a:p>
+            <a:r>
+              <a:rPr lang="en-US" sz="2400" dirty="0"/>
+              <a:t>Solution: use approach similar to kernel tricks in SVM</a:t>
+            </a:r>
+          </a:p>
+          <a:p>
+            <a:r>
+              <a:rPr lang="en-US" sz="2400" dirty="0"/>
+              <a:t>E.g. </a:t>
+            </a:r>
+            <a:r>
+              <a:rPr lang="en-US" sz="2400" dirty="0" err="1"/>
+              <a:t>SpectralClustering</a:t>
+            </a:r>
+            <a:r>
+              <a:rPr lang="en-US" sz="2400" dirty="0"/>
+              <a:t> uses graph of nearest neighbors to compute higher-dimensional representation and assign labels using K-Means</a:t>
+            </a:r>
+          </a:p>
+          <a:p>
+            <a:r>
+              <a:rPr lang="en-US" sz="2400" dirty="0"/>
+              <a:t>More  details: </a:t>
+            </a:r>
+            <a:r>
+              <a:rPr lang="en-US" sz="2400" dirty="0">
+                <a:hlinkClick r:id="rId2"/>
+              </a:rPr>
+              <a:t>https://towardsdatascience.com/spectral-clustering-aba2640c0d5b</a:t>
+            </a:r>
+            <a:r>
+              <a:rPr lang="en-US" sz="2400" dirty="0"/>
+              <a:t> </a:t>
+            </a:r>
+          </a:p>
+        </p:txBody>
+      </p:sp>
+      <p:pic>
+        <p:nvPicPr>
+          <p:cNvPr id="5" name="Picture 4" descr="A close up of a map&#10;&#10;Description automatically generated">
+            <a:extLst>
+              <a:ext uri="{FF2B5EF4-FFF2-40B4-BE49-F238E27FC236}">
+                <a16:creationId xmlns:a16="http://schemas.microsoft.com/office/drawing/2014/main" id="{273DE342-23BF-47DC-8088-9BDF3AA71E53}"/>
+              </a:ext>
+            </a:extLst>
+          </p:cNvPr>
+          <p:cNvPicPr>
+            <a:picLocks noChangeAspect="1"/>
+          </p:cNvPicPr>
+          <p:nvPr/>
+        </p:nvPicPr>
+        <p:blipFill>
+          <a:blip r:embed="rId3">
+            <a:extLst>
+              <a:ext uri="{28A0092B-C50C-407E-A947-70E740481C1C}">
+                <a14:useLocalDpi xmlns:a14="http://schemas.microsoft.com/office/drawing/2010/main" val="0"/>
+              </a:ext>
+            </a:extLst>
+          </a:blip>
+          <a:stretch>
+            <a:fillRect/>
+          </a:stretch>
+        </p:blipFill>
+        <p:spPr>
+          <a:xfrm>
+            <a:off x="457879" y="4028757"/>
+            <a:ext cx="4207884" cy="2804160"/>
+          </a:xfrm>
+          <a:prstGeom prst="rect">
+            <a:avLst/>
+          </a:prstGeom>
+        </p:spPr>
+      </p:pic>
+      <p:pic>
+        <p:nvPicPr>
+          <p:cNvPr id="9" name="Picture 8" descr="A close up of a map&#10;&#10;Description automatically generated">
+            <a:extLst>
+              <a:ext uri="{FF2B5EF4-FFF2-40B4-BE49-F238E27FC236}">
+                <a16:creationId xmlns:a16="http://schemas.microsoft.com/office/drawing/2014/main" id="{95340176-5C12-4265-8E42-15EA887680D6}"/>
+              </a:ext>
+            </a:extLst>
+          </p:cNvPr>
+          <p:cNvPicPr>
+            <a:picLocks noChangeAspect="1"/>
+          </p:cNvPicPr>
+          <p:nvPr/>
+        </p:nvPicPr>
+        <p:blipFill>
+          <a:blip r:embed="rId4">
+            <a:extLst>
+              <a:ext uri="{28A0092B-C50C-407E-A947-70E740481C1C}">
+                <a14:useLocalDpi xmlns:a14="http://schemas.microsoft.com/office/drawing/2010/main" val="0"/>
+              </a:ext>
+            </a:extLst>
+          </a:blip>
+          <a:stretch>
+            <a:fillRect/>
+          </a:stretch>
+        </p:blipFill>
+        <p:spPr>
+          <a:xfrm>
+            <a:off x="4205562" y="4078341"/>
+            <a:ext cx="4133477" cy="2754575"/>
+          </a:xfrm>
+          <a:prstGeom prst="rect">
+            <a:avLst/>
+          </a:prstGeom>
+        </p:spPr>
+      </p:pic>
+      <p:pic>
+        <p:nvPicPr>
+          <p:cNvPr id="11" name="Picture 10" descr="A close up of a map&#10;&#10;Description automatically generated">
+            <a:extLst>
+              <a:ext uri="{FF2B5EF4-FFF2-40B4-BE49-F238E27FC236}">
+                <a16:creationId xmlns:a16="http://schemas.microsoft.com/office/drawing/2014/main" id="{916F0773-2DD3-46A9-A459-EFCCE784BFAD}"/>
+              </a:ext>
+            </a:extLst>
+          </p:cNvPr>
+          <p:cNvPicPr>
+            <a:picLocks noChangeAspect="1"/>
+          </p:cNvPicPr>
+          <p:nvPr/>
+        </p:nvPicPr>
+        <p:blipFill>
+          <a:blip r:embed="rId5">
+            <a:extLst>
+              <a:ext uri="{28A0092B-C50C-407E-A947-70E740481C1C}">
+                <a14:useLocalDpi xmlns:a14="http://schemas.microsoft.com/office/drawing/2010/main" val="0"/>
+              </a:ext>
+            </a:extLst>
+          </a:blip>
+          <a:stretch>
+            <a:fillRect/>
+          </a:stretch>
+        </p:blipFill>
+        <p:spPr>
+          <a:xfrm>
+            <a:off x="8042170" y="4190707"/>
+            <a:ext cx="3885670" cy="2589435"/>
+          </a:xfrm>
+          <a:prstGeom prst="rect">
+            <a:avLst/>
+          </a:prstGeom>
+        </p:spPr>
+      </p:pic>
+    </p:spTree>
+    <p:extLst>
+      <p:ext uri="{BB962C8B-B14F-4D97-AF65-F5344CB8AC3E}">
+        <p14:creationId xmlns:p14="http://schemas.microsoft.com/office/powerpoint/2010/main" val="150006514"/>
+      </p:ext>
+    </p:extLst>
   </p:cSld>
   <p:clrMapOvr>
     <a:masterClrMapping/>
